--- a/MICROSOFT_STUDIO_PROJECT.pptx
+++ b/MICROSOFT_STUDIO_PROJECT.pptx
@@ -14,6 +14,11 @@
     <p:sldId id="259" r:id="rId8"/>
     <p:sldId id="260" r:id="rId9"/>
     <p:sldId id="261" r:id="rId10"/>
+    <p:sldId id="262" r:id="rId11"/>
+    <p:sldId id="263" r:id="rId12"/>
+    <p:sldId id="264" r:id="rId13"/>
+    <p:sldId id="265" r:id="rId14"/>
+    <p:sldId id="266" r:id="rId15"/>
   </p:sldIdLst>
   <p:sldSz cy="6858000" cx="12192000"/>
   <p:notesSz cx="6858000" cy="9144000"/>
@@ -248,7 +253,7 @@
   </p:defaultTextStyle>
   <p:extLst>
     <p:ext uri="GoogleSlidesCustomDataVersion2">
-      <go:slidesCustomData xmlns:go="http://customooxmlschemas.google.com/" r:id="rId11" roundtripDataSignature="AMtx7mir9E/5/pj8tzH2loN6MNoeSVFcYQ=="/>
+      <go:slidesCustomData xmlns:go="http://customooxmlschemas.google.com/" r:id="rId16" roundtripDataSignature="AMtx7mh0vH1amiWQTDjcjxHwzN5XwhHQCw=="/>
     </p:ext>
   </p:extLst>
 </p:presentation>
@@ -779,6 +784,204 @@
 </p:notes>
 </file>
 
+<file path=ppt/notesSlides/notesSlide10.xml><?xml version="1.0" encoding="utf-8"?>
+<p:notes xmlns:a="http://schemas.openxmlformats.org/drawingml/2006/main" xmlns:r="http://schemas.openxmlformats.org/officeDocument/2006/relationships" xmlns:mc="http://schemas.openxmlformats.org/markup-compatibility/2006" xmlns:mv="urn:schemas-microsoft-com:mac:vml" xmlns:p="http://schemas.openxmlformats.org/presentationml/2006/main" xmlns:c="http://schemas.openxmlformats.org/drawingml/2006/chart" xmlns:dgm="http://schemas.openxmlformats.org/drawingml/2006/diagram" xmlns:o="urn:schemas-microsoft-com:office:office" xmlns:v="urn:schemas-microsoft-com:vml" xmlns:pvml="urn:schemas-microsoft-com:office:powerpoint" xmlns:com="http://schemas.openxmlformats.org/drawingml/2006/compatibility" xmlns:p14="http://schemas.microsoft.com/office/powerpoint/2010/main" xmlns:p15="http://schemas.microsoft.com/office/powerpoint/2012/main" xmlns:ahyp="http://schemas.microsoft.com/office/drawing/2018/hyperlinkcolor" showMasterPhAnim="0" showMasterSp="0">
+  <p:cSld>
+    <p:spTree>
+      <p:nvGrpSpPr>
+        <p:cNvPr id="139" name="Shape 139"/>
+        <p:cNvGrpSpPr/>
+        <p:nvPr/>
+      </p:nvGrpSpPr>
+      <p:grpSpPr>
+        <a:xfrm>
+          <a:off x="0" y="0"/>
+          <a:ext cx="0" cy="0"/>
+          <a:chOff x="0" y="0"/>
+          <a:chExt cx="0" cy="0"/>
+        </a:xfrm>
+      </p:grpSpPr>
+      <p:sp>
+        <p:nvSpPr>
+          <p:cNvPr id="140" name="Google Shape;140;g2a57c3ef197_3_38:notes"/>
+          <p:cNvSpPr/>
+          <p:nvPr>
+            <p:ph idx="2" type="sldImg"/>
+          </p:nvPr>
+        </p:nvSpPr>
+        <p:spPr>
+          <a:xfrm>
+            <a:off x="1143225" y="685800"/>
+            <a:ext cx="4572300" cy="3429000"/>
+          </a:xfrm>
+          <a:custGeom>
+            <a:rect b="b" l="l" r="r" t="t"/>
+            <a:pathLst>
+              <a:path extrusionOk="0" h="120000" w="120000">
+                <a:moveTo>
+                  <a:pt x="0" y="0"/>
+                </a:moveTo>
+                <a:lnTo>
+                  <a:pt x="120000" y="0"/>
+                </a:lnTo>
+                <a:lnTo>
+                  <a:pt x="120000" y="120000"/>
+                </a:lnTo>
+                <a:lnTo>
+                  <a:pt x="0" y="120000"/>
+                </a:lnTo>
+                <a:close/>
+              </a:path>
+            </a:pathLst>
+          </a:custGeom>
+        </p:spPr>
+      </p:sp>
+      <p:sp>
+        <p:nvSpPr>
+          <p:cNvPr id="141" name="Google Shape;141;g2a57c3ef197_3_38:notes"/>
+          <p:cNvSpPr txBox="1"/>
+          <p:nvPr>
+            <p:ph idx="1" type="body"/>
+          </p:nvPr>
+        </p:nvSpPr>
+        <p:spPr>
+          <a:xfrm>
+            <a:off x="685800" y="4343400"/>
+            <a:ext cx="5486400" cy="4114800"/>
+          </a:xfrm>
+          <a:prstGeom prst="rect">
+            <a:avLst/>
+          </a:prstGeom>
+        </p:spPr>
+        <p:txBody>
+          <a:bodyPr anchorCtr="0" anchor="t" bIns="91425" lIns="91425" spcFirstLastPara="1" rIns="91425" wrap="square" tIns="91425">
+            <a:noAutofit/>
+          </a:bodyPr>
+          <a:lstStyle/>
+          <a:p>
+            <a:pPr indent="0" lvl="0" marL="0" rtl="0" algn="l">
+              <a:spcBef>
+                <a:spcPts val="0"/>
+              </a:spcBef>
+              <a:spcAft>
+                <a:spcPts val="0"/>
+              </a:spcAft>
+              <a:buNone/>
+            </a:pPr>
+            <a:r>
+              <a:t/>
+            </a:r>
+            <a:endParaRPr/>
+          </a:p>
+        </p:txBody>
+      </p:sp>
+    </p:spTree>
+  </p:cSld>
+  <p:clrMapOvr>
+    <a:masterClrMapping/>
+  </p:clrMapOvr>
+</p:notes>
+</file>
+
+<file path=ppt/notesSlides/notesSlide11.xml><?xml version="1.0" encoding="utf-8"?>
+<p:notes xmlns:a="http://schemas.openxmlformats.org/drawingml/2006/main" xmlns:r="http://schemas.openxmlformats.org/officeDocument/2006/relationships" xmlns:mc="http://schemas.openxmlformats.org/markup-compatibility/2006" xmlns:mv="urn:schemas-microsoft-com:mac:vml" xmlns:p="http://schemas.openxmlformats.org/presentationml/2006/main" xmlns:c="http://schemas.openxmlformats.org/drawingml/2006/chart" xmlns:dgm="http://schemas.openxmlformats.org/drawingml/2006/diagram" xmlns:o="urn:schemas-microsoft-com:office:office" xmlns:v="urn:schemas-microsoft-com:vml" xmlns:pvml="urn:schemas-microsoft-com:office:powerpoint" xmlns:com="http://schemas.openxmlformats.org/drawingml/2006/compatibility" xmlns:p14="http://schemas.microsoft.com/office/powerpoint/2010/main" xmlns:p15="http://schemas.microsoft.com/office/powerpoint/2012/main" xmlns:ahyp="http://schemas.microsoft.com/office/drawing/2018/hyperlinkcolor" showMasterPhAnim="0" showMasterSp="0">
+  <p:cSld>
+    <p:spTree>
+      <p:nvGrpSpPr>
+        <p:cNvPr id="149" name="Shape 149"/>
+        <p:cNvGrpSpPr/>
+        <p:nvPr/>
+      </p:nvGrpSpPr>
+      <p:grpSpPr>
+        <a:xfrm>
+          <a:off x="0" y="0"/>
+          <a:ext cx="0" cy="0"/>
+          <a:chOff x="0" y="0"/>
+          <a:chExt cx="0" cy="0"/>
+        </a:xfrm>
+      </p:grpSpPr>
+      <p:sp>
+        <p:nvSpPr>
+          <p:cNvPr id="150" name="Google Shape;150;p16:notes"/>
+          <p:cNvSpPr txBox="1"/>
+          <p:nvPr>
+            <p:ph idx="1" type="body"/>
+          </p:nvPr>
+        </p:nvSpPr>
+        <p:spPr>
+          <a:xfrm>
+            <a:off x="685800" y="4343400"/>
+            <a:ext cx="5486400" cy="4114800"/>
+          </a:xfrm>
+          <a:prstGeom prst="rect">
+            <a:avLst/>
+          </a:prstGeom>
+        </p:spPr>
+        <p:txBody>
+          <a:bodyPr anchorCtr="0" anchor="t" bIns="91425" lIns="91425" spcFirstLastPara="1" rIns="91425" wrap="square" tIns="91425">
+            <a:noAutofit/>
+          </a:bodyPr>
+          <a:lstStyle/>
+          <a:p>
+            <a:pPr indent="0" lvl="0" marL="0" rtl="0" algn="l">
+              <a:spcBef>
+                <a:spcPts val="0"/>
+              </a:spcBef>
+              <a:spcAft>
+                <a:spcPts val="0"/>
+              </a:spcAft>
+              <a:buNone/>
+            </a:pPr>
+            <a:r>
+              <a:t/>
+            </a:r>
+            <a:endParaRPr/>
+          </a:p>
+        </p:txBody>
+      </p:sp>
+      <p:sp>
+        <p:nvSpPr>
+          <p:cNvPr id="151" name="Google Shape;151;p16:notes"/>
+          <p:cNvSpPr/>
+          <p:nvPr>
+            <p:ph idx="2" type="sldImg"/>
+          </p:nvPr>
+        </p:nvSpPr>
+        <p:spPr>
+          <a:xfrm>
+            <a:off x="1143225" y="685800"/>
+            <a:ext cx="4572225" cy="3429000"/>
+          </a:xfrm>
+          <a:custGeom>
+            <a:rect b="b" l="l" r="r" t="t"/>
+            <a:pathLst>
+              <a:path extrusionOk="0" h="120000" w="120000">
+                <a:moveTo>
+                  <a:pt x="0" y="0"/>
+                </a:moveTo>
+                <a:lnTo>
+                  <a:pt x="120000" y="0"/>
+                </a:lnTo>
+                <a:lnTo>
+                  <a:pt x="120000" y="120000"/>
+                </a:lnTo>
+                <a:lnTo>
+                  <a:pt x="0" y="120000"/>
+                </a:lnTo>
+                <a:close/>
+              </a:path>
+            </a:pathLst>
+          </a:custGeom>
+        </p:spPr>
+      </p:sp>
+    </p:spTree>
+  </p:cSld>
+  <p:clrMapOvr>
+    <a:masterClrMapping/>
+  </p:clrMapOvr>
+</p:notes>
+</file>
+
 <file path=ppt/notesSlides/notesSlide2.xml><?xml version="1.0" encoding="utf-8"?>
 <p:notes xmlns:a="http://schemas.openxmlformats.org/drawingml/2006/main" xmlns:r="http://schemas.openxmlformats.org/officeDocument/2006/relationships" xmlns:mc="http://schemas.openxmlformats.org/markup-compatibility/2006" xmlns:mv="urn:schemas-microsoft-com:mac:vml" xmlns:p="http://schemas.openxmlformats.org/presentationml/2006/main" xmlns:c="http://schemas.openxmlformats.org/drawingml/2006/chart" xmlns:dgm="http://schemas.openxmlformats.org/drawingml/2006/diagram" xmlns:o="urn:schemas-microsoft-com:office:office" xmlns:v="urn:schemas-microsoft-com:vml" xmlns:pvml="urn:schemas-microsoft-com:office:powerpoint" xmlns:com="http://schemas.openxmlformats.org/drawingml/2006/compatibility" xmlns:p14="http://schemas.microsoft.com/office/powerpoint/2010/main" xmlns:p15="http://schemas.microsoft.com/office/powerpoint/2012/main" xmlns:ahyp="http://schemas.microsoft.com/office/drawing/2018/hyperlinkcolor" showMasterPhAnim="0" showMasterSp="0">
   <p:cSld>
@@ -1194,46 +1397,7 @@
       </p:grpSpPr>
       <p:sp>
         <p:nvSpPr>
-          <p:cNvPr id="109" name="Google Shape;109;p16:notes"/>
-          <p:cNvSpPr txBox="1"/>
-          <p:nvPr>
-            <p:ph idx="1" type="body"/>
-          </p:nvPr>
-        </p:nvSpPr>
-        <p:spPr>
-          <a:xfrm>
-            <a:off x="685800" y="4343400"/>
-            <a:ext cx="5486400" cy="4114800"/>
-          </a:xfrm>
-          <a:prstGeom prst="rect">
-            <a:avLst/>
-          </a:prstGeom>
-        </p:spPr>
-        <p:txBody>
-          <a:bodyPr anchorCtr="0" anchor="t" bIns="91425" lIns="91425" spcFirstLastPara="1" rIns="91425" wrap="square" tIns="91425">
-            <a:noAutofit/>
-          </a:bodyPr>
-          <a:lstStyle/>
-          <a:p>
-            <a:pPr indent="0" lvl="0" marL="0" rtl="0" algn="l">
-              <a:spcBef>
-                <a:spcPts val="0"/>
-              </a:spcBef>
-              <a:spcAft>
-                <a:spcPts val="0"/>
-              </a:spcAft>
-              <a:buNone/>
-            </a:pPr>
-            <a:r>
-              <a:t/>
-            </a:r>
-            <a:endParaRPr/>
-          </a:p>
-        </p:txBody>
-      </p:sp>
-      <p:sp>
-        <p:nvSpPr>
-          <p:cNvPr id="110" name="Google Shape;110;p16:notes"/>
+          <p:cNvPr id="109" name="Google Shape;109;g2a57c3ef197_3_7:notes"/>
           <p:cNvSpPr/>
           <p:nvPr>
             <p:ph idx="2" type="sldImg"/>
@@ -1242,7 +1406,7 @@
         <p:spPr>
           <a:xfrm>
             <a:off x="1143225" y="685800"/>
-            <a:ext cx="4572225" cy="3429000"/>
+            <a:ext cx="4572300" cy="3429000"/>
           </a:xfrm>
           <a:custGeom>
             <a:rect b="b" l="l" r="r" t="t"/>
@@ -1265,6 +1429,342 @@
             </a:pathLst>
           </a:custGeom>
         </p:spPr>
+      </p:sp>
+      <p:sp>
+        <p:nvSpPr>
+          <p:cNvPr id="110" name="Google Shape;110;g2a57c3ef197_3_7:notes"/>
+          <p:cNvSpPr txBox="1"/>
+          <p:nvPr>
+            <p:ph idx="1" type="body"/>
+          </p:nvPr>
+        </p:nvSpPr>
+        <p:spPr>
+          <a:xfrm>
+            <a:off x="685800" y="4343400"/>
+            <a:ext cx="5486400" cy="4114800"/>
+          </a:xfrm>
+          <a:prstGeom prst="rect">
+            <a:avLst/>
+          </a:prstGeom>
+        </p:spPr>
+        <p:txBody>
+          <a:bodyPr anchorCtr="0" anchor="t" bIns="91425" lIns="91425" spcFirstLastPara="1" rIns="91425" wrap="square" tIns="91425">
+            <a:noAutofit/>
+          </a:bodyPr>
+          <a:lstStyle/>
+          <a:p>
+            <a:pPr indent="0" lvl="0" marL="0" rtl="0" algn="l">
+              <a:spcBef>
+                <a:spcPts val="0"/>
+              </a:spcBef>
+              <a:spcAft>
+                <a:spcPts val="0"/>
+              </a:spcAft>
+              <a:buNone/>
+            </a:pPr>
+            <a:r>
+              <a:t/>
+            </a:r>
+            <a:endParaRPr/>
+          </a:p>
+        </p:txBody>
+      </p:sp>
+    </p:spTree>
+  </p:cSld>
+  <p:clrMapOvr>
+    <a:masterClrMapping/>
+  </p:clrMapOvr>
+</p:notes>
+</file>
+
+<file path=ppt/notesSlides/notesSlide7.xml><?xml version="1.0" encoding="utf-8"?>
+<p:notes xmlns:a="http://schemas.openxmlformats.org/drawingml/2006/main" xmlns:r="http://schemas.openxmlformats.org/officeDocument/2006/relationships" xmlns:mc="http://schemas.openxmlformats.org/markup-compatibility/2006" xmlns:mv="urn:schemas-microsoft-com:mac:vml" xmlns:p="http://schemas.openxmlformats.org/presentationml/2006/main" xmlns:c="http://schemas.openxmlformats.org/drawingml/2006/chart" xmlns:dgm="http://schemas.openxmlformats.org/drawingml/2006/diagram" xmlns:o="urn:schemas-microsoft-com:office:office" xmlns:v="urn:schemas-microsoft-com:vml" xmlns:pvml="urn:schemas-microsoft-com:office:powerpoint" xmlns:com="http://schemas.openxmlformats.org/drawingml/2006/compatibility" xmlns:p14="http://schemas.microsoft.com/office/powerpoint/2010/main" xmlns:p15="http://schemas.microsoft.com/office/powerpoint/2012/main" xmlns:ahyp="http://schemas.microsoft.com/office/drawing/2018/hyperlinkcolor" showMasterPhAnim="0" showMasterSp="0">
+  <p:cSld>
+    <p:spTree>
+      <p:nvGrpSpPr>
+        <p:cNvPr id="115" name="Shape 115"/>
+        <p:cNvGrpSpPr/>
+        <p:nvPr/>
+      </p:nvGrpSpPr>
+      <p:grpSpPr>
+        <a:xfrm>
+          <a:off x="0" y="0"/>
+          <a:ext cx="0" cy="0"/>
+          <a:chOff x="0" y="0"/>
+          <a:chExt cx="0" cy="0"/>
+        </a:xfrm>
+      </p:grpSpPr>
+      <p:sp>
+        <p:nvSpPr>
+          <p:cNvPr id="116" name="Google Shape;116;g2a57c3ef197_3_14:notes"/>
+          <p:cNvSpPr/>
+          <p:nvPr>
+            <p:ph idx="2" type="sldImg"/>
+          </p:nvPr>
+        </p:nvSpPr>
+        <p:spPr>
+          <a:xfrm>
+            <a:off x="1143225" y="685800"/>
+            <a:ext cx="4572300" cy="3429000"/>
+          </a:xfrm>
+          <a:custGeom>
+            <a:rect b="b" l="l" r="r" t="t"/>
+            <a:pathLst>
+              <a:path extrusionOk="0" h="120000" w="120000">
+                <a:moveTo>
+                  <a:pt x="0" y="0"/>
+                </a:moveTo>
+                <a:lnTo>
+                  <a:pt x="120000" y="0"/>
+                </a:lnTo>
+                <a:lnTo>
+                  <a:pt x="120000" y="120000"/>
+                </a:lnTo>
+                <a:lnTo>
+                  <a:pt x="0" y="120000"/>
+                </a:lnTo>
+                <a:close/>
+              </a:path>
+            </a:pathLst>
+          </a:custGeom>
+        </p:spPr>
+      </p:sp>
+      <p:sp>
+        <p:nvSpPr>
+          <p:cNvPr id="117" name="Google Shape;117;g2a57c3ef197_3_14:notes"/>
+          <p:cNvSpPr txBox="1"/>
+          <p:nvPr>
+            <p:ph idx="1" type="body"/>
+          </p:nvPr>
+        </p:nvSpPr>
+        <p:spPr>
+          <a:xfrm>
+            <a:off x="685800" y="4343400"/>
+            <a:ext cx="5486400" cy="4114800"/>
+          </a:xfrm>
+          <a:prstGeom prst="rect">
+            <a:avLst/>
+          </a:prstGeom>
+        </p:spPr>
+        <p:txBody>
+          <a:bodyPr anchorCtr="0" anchor="t" bIns="91425" lIns="91425" spcFirstLastPara="1" rIns="91425" wrap="square" tIns="91425">
+            <a:noAutofit/>
+          </a:bodyPr>
+          <a:lstStyle/>
+          <a:p>
+            <a:pPr indent="0" lvl="0" marL="0" rtl="0" algn="l">
+              <a:spcBef>
+                <a:spcPts val="0"/>
+              </a:spcBef>
+              <a:spcAft>
+                <a:spcPts val="0"/>
+              </a:spcAft>
+              <a:buNone/>
+            </a:pPr>
+            <a:r>
+              <a:t/>
+            </a:r>
+            <a:endParaRPr/>
+          </a:p>
+        </p:txBody>
+      </p:sp>
+    </p:spTree>
+  </p:cSld>
+  <p:clrMapOvr>
+    <a:masterClrMapping/>
+  </p:clrMapOvr>
+</p:notes>
+</file>
+
+<file path=ppt/notesSlides/notesSlide8.xml><?xml version="1.0" encoding="utf-8"?>
+<p:notes xmlns:a="http://schemas.openxmlformats.org/drawingml/2006/main" xmlns:r="http://schemas.openxmlformats.org/officeDocument/2006/relationships" xmlns:mc="http://schemas.openxmlformats.org/markup-compatibility/2006" xmlns:mv="urn:schemas-microsoft-com:mac:vml" xmlns:p="http://schemas.openxmlformats.org/presentationml/2006/main" xmlns:c="http://schemas.openxmlformats.org/drawingml/2006/chart" xmlns:dgm="http://schemas.openxmlformats.org/drawingml/2006/diagram" xmlns:o="urn:schemas-microsoft-com:office:office" xmlns:v="urn:schemas-microsoft-com:vml" xmlns:pvml="urn:schemas-microsoft-com:office:powerpoint" xmlns:com="http://schemas.openxmlformats.org/drawingml/2006/compatibility" xmlns:p14="http://schemas.microsoft.com/office/powerpoint/2010/main" xmlns:p15="http://schemas.microsoft.com/office/powerpoint/2012/main" xmlns:ahyp="http://schemas.microsoft.com/office/drawing/2018/hyperlinkcolor" showMasterPhAnim="0" showMasterSp="0">
+  <p:cSld>
+    <p:spTree>
+      <p:nvGrpSpPr>
+        <p:cNvPr id="122" name="Shape 122"/>
+        <p:cNvGrpSpPr/>
+        <p:nvPr/>
+      </p:nvGrpSpPr>
+      <p:grpSpPr>
+        <a:xfrm>
+          <a:off x="0" y="0"/>
+          <a:ext cx="0" cy="0"/>
+          <a:chOff x="0" y="0"/>
+          <a:chExt cx="0" cy="0"/>
+        </a:xfrm>
+      </p:grpSpPr>
+      <p:sp>
+        <p:nvSpPr>
+          <p:cNvPr id="123" name="Google Shape;123;g2a57c3ef197_3_22:notes"/>
+          <p:cNvSpPr/>
+          <p:nvPr>
+            <p:ph idx="2" type="sldImg"/>
+          </p:nvPr>
+        </p:nvSpPr>
+        <p:spPr>
+          <a:xfrm>
+            <a:off x="1143225" y="685800"/>
+            <a:ext cx="4572300" cy="3429000"/>
+          </a:xfrm>
+          <a:custGeom>
+            <a:rect b="b" l="l" r="r" t="t"/>
+            <a:pathLst>
+              <a:path extrusionOk="0" h="120000" w="120000">
+                <a:moveTo>
+                  <a:pt x="0" y="0"/>
+                </a:moveTo>
+                <a:lnTo>
+                  <a:pt x="120000" y="0"/>
+                </a:lnTo>
+                <a:lnTo>
+                  <a:pt x="120000" y="120000"/>
+                </a:lnTo>
+                <a:lnTo>
+                  <a:pt x="0" y="120000"/>
+                </a:lnTo>
+                <a:close/>
+              </a:path>
+            </a:pathLst>
+          </a:custGeom>
+        </p:spPr>
+      </p:sp>
+      <p:sp>
+        <p:nvSpPr>
+          <p:cNvPr id="124" name="Google Shape;124;g2a57c3ef197_3_22:notes"/>
+          <p:cNvSpPr txBox="1"/>
+          <p:nvPr>
+            <p:ph idx="1" type="body"/>
+          </p:nvPr>
+        </p:nvSpPr>
+        <p:spPr>
+          <a:xfrm>
+            <a:off x="685800" y="4343400"/>
+            <a:ext cx="5486400" cy="4114800"/>
+          </a:xfrm>
+          <a:prstGeom prst="rect">
+            <a:avLst/>
+          </a:prstGeom>
+        </p:spPr>
+        <p:txBody>
+          <a:bodyPr anchorCtr="0" anchor="t" bIns="91425" lIns="91425" spcFirstLastPara="1" rIns="91425" wrap="square" tIns="91425">
+            <a:noAutofit/>
+          </a:bodyPr>
+          <a:lstStyle/>
+          <a:p>
+            <a:pPr indent="0" lvl="0" marL="0" rtl="0" algn="l">
+              <a:spcBef>
+                <a:spcPts val="0"/>
+              </a:spcBef>
+              <a:spcAft>
+                <a:spcPts val="0"/>
+              </a:spcAft>
+              <a:buNone/>
+            </a:pPr>
+            <a:r>
+              <a:t/>
+            </a:r>
+            <a:endParaRPr/>
+          </a:p>
+        </p:txBody>
+      </p:sp>
+    </p:spTree>
+  </p:cSld>
+  <p:clrMapOvr>
+    <a:masterClrMapping/>
+  </p:clrMapOvr>
+</p:notes>
+</file>
+
+<file path=ppt/notesSlides/notesSlide9.xml><?xml version="1.0" encoding="utf-8"?>
+<p:notes xmlns:a="http://schemas.openxmlformats.org/drawingml/2006/main" xmlns:r="http://schemas.openxmlformats.org/officeDocument/2006/relationships" xmlns:mc="http://schemas.openxmlformats.org/markup-compatibility/2006" xmlns:mv="urn:schemas-microsoft-com:mac:vml" xmlns:p="http://schemas.openxmlformats.org/presentationml/2006/main" xmlns:c="http://schemas.openxmlformats.org/drawingml/2006/chart" xmlns:dgm="http://schemas.openxmlformats.org/drawingml/2006/diagram" xmlns:o="urn:schemas-microsoft-com:office:office" xmlns:v="urn:schemas-microsoft-com:vml" xmlns:pvml="urn:schemas-microsoft-com:office:powerpoint" xmlns:com="http://schemas.openxmlformats.org/drawingml/2006/compatibility" xmlns:p14="http://schemas.microsoft.com/office/powerpoint/2010/main" xmlns:p15="http://schemas.microsoft.com/office/powerpoint/2012/main" xmlns:ahyp="http://schemas.microsoft.com/office/drawing/2018/hyperlinkcolor" showMasterPhAnim="0" showMasterSp="0">
+  <p:cSld>
+    <p:spTree>
+      <p:nvGrpSpPr>
+        <p:cNvPr id="129" name="Shape 129"/>
+        <p:cNvGrpSpPr/>
+        <p:nvPr/>
+      </p:nvGrpSpPr>
+      <p:grpSpPr>
+        <a:xfrm>
+          <a:off x="0" y="0"/>
+          <a:ext cx="0" cy="0"/>
+          <a:chOff x="0" y="0"/>
+          <a:chExt cx="0" cy="0"/>
+        </a:xfrm>
+      </p:grpSpPr>
+      <p:sp>
+        <p:nvSpPr>
+          <p:cNvPr id="130" name="Google Shape;130;g2a57c3ef197_3_29:notes"/>
+          <p:cNvSpPr/>
+          <p:nvPr>
+            <p:ph idx="2" type="sldImg"/>
+          </p:nvPr>
+        </p:nvSpPr>
+        <p:spPr>
+          <a:xfrm>
+            <a:off x="1143225" y="685800"/>
+            <a:ext cx="4572300" cy="3429000"/>
+          </a:xfrm>
+          <a:custGeom>
+            <a:rect b="b" l="l" r="r" t="t"/>
+            <a:pathLst>
+              <a:path extrusionOk="0" h="120000" w="120000">
+                <a:moveTo>
+                  <a:pt x="0" y="0"/>
+                </a:moveTo>
+                <a:lnTo>
+                  <a:pt x="120000" y="0"/>
+                </a:lnTo>
+                <a:lnTo>
+                  <a:pt x="120000" y="120000"/>
+                </a:lnTo>
+                <a:lnTo>
+                  <a:pt x="0" y="120000"/>
+                </a:lnTo>
+                <a:close/>
+              </a:path>
+            </a:pathLst>
+          </a:custGeom>
+        </p:spPr>
+      </p:sp>
+      <p:sp>
+        <p:nvSpPr>
+          <p:cNvPr id="131" name="Google Shape;131;g2a57c3ef197_3_29:notes"/>
+          <p:cNvSpPr txBox="1"/>
+          <p:nvPr>
+            <p:ph idx="1" type="body"/>
+          </p:nvPr>
+        </p:nvSpPr>
+        <p:spPr>
+          <a:xfrm>
+            <a:off x="685800" y="4343400"/>
+            <a:ext cx="5486400" cy="4114800"/>
+          </a:xfrm>
+          <a:prstGeom prst="rect">
+            <a:avLst/>
+          </a:prstGeom>
+        </p:spPr>
+        <p:txBody>
+          <a:bodyPr anchorCtr="0" anchor="t" bIns="91425" lIns="91425" spcFirstLastPara="1" rIns="91425" wrap="square" tIns="91425">
+            <a:noAutofit/>
+          </a:bodyPr>
+          <a:lstStyle/>
+          <a:p>
+            <a:pPr indent="0" lvl="0" marL="0" rtl="0" algn="l">
+              <a:spcBef>
+                <a:spcPts val="0"/>
+              </a:spcBef>
+              <a:spcAft>
+                <a:spcPts val="0"/>
+              </a:spcAft>
+              <a:buNone/>
+            </a:pPr>
+            <a:r>
+              <a:t/>
+            </a:r>
+            <a:endParaRPr/>
+          </a:p>
+        </p:txBody>
       </p:sp>
     </p:spTree>
   </p:cSld>
@@ -11309,6 +11809,480 @@
 </p:sld>
 </file>
 
+<file path=ppt/slides/slide10.xml><?xml version="1.0" encoding="utf-8"?>
+<p:sld xmlns:a="http://schemas.openxmlformats.org/drawingml/2006/main" xmlns:r="http://schemas.openxmlformats.org/officeDocument/2006/relationships" xmlns:mc="http://schemas.openxmlformats.org/markup-compatibility/2006" xmlns:mv="urn:schemas-microsoft-com:mac:vml" xmlns:p="http://schemas.openxmlformats.org/presentationml/2006/main" xmlns:c="http://schemas.openxmlformats.org/drawingml/2006/chart" xmlns:dgm="http://schemas.openxmlformats.org/drawingml/2006/diagram" xmlns:o="urn:schemas-microsoft-com:office:office" xmlns:v="urn:schemas-microsoft-com:vml" xmlns:pvml="urn:schemas-microsoft-com:office:powerpoint" xmlns:com="http://schemas.openxmlformats.org/drawingml/2006/compatibility" xmlns:p14="http://schemas.microsoft.com/office/powerpoint/2010/main" xmlns:p15="http://schemas.microsoft.com/office/powerpoint/2012/main" xmlns:ahyp="http://schemas.microsoft.com/office/drawing/2018/hyperlinkcolor">
+  <p:cSld>
+    <p:spTree>
+      <p:nvGrpSpPr>
+        <p:cNvPr id="142" name="Shape 142"/>
+        <p:cNvGrpSpPr/>
+        <p:nvPr/>
+      </p:nvGrpSpPr>
+      <p:grpSpPr>
+        <a:xfrm>
+          <a:off x="0" y="0"/>
+          <a:ext cx="0" cy="0"/>
+          <a:chOff x="0" y="0"/>
+          <a:chExt cx="0" cy="0"/>
+        </a:xfrm>
+      </p:grpSpPr>
+      <p:sp>
+        <p:nvSpPr>
+          <p:cNvPr id="143" name="Google Shape;143;g2a57c3ef197_3_38"/>
+          <p:cNvSpPr txBox="1"/>
+          <p:nvPr>
+            <p:ph type="title"/>
+          </p:nvPr>
+        </p:nvSpPr>
+        <p:spPr>
+          <a:xfrm>
+            <a:off x="838200" y="252750"/>
+            <a:ext cx="10515600" cy="994200"/>
+          </a:xfrm>
+          <a:prstGeom prst="rect">
+            <a:avLst/>
+          </a:prstGeom>
+        </p:spPr>
+        <p:txBody>
+          <a:bodyPr anchorCtr="0" anchor="ctr" bIns="45700" lIns="91425" spcFirstLastPara="1" rIns="91425" wrap="square" tIns="45700">
+            <a:normAutofit/>
+          </a:bodyPr>
+          <a:lstStyle/>
+          <a:p>
+            <a:pPr indent="0" lvl="0" marL="0" rtl="0" algn="l">
+              <a:spcBef>
+                <a:spcPts val="0"/>
+              </a:spcBef>
+              <a:spcAft>
+                <a:spcPts val="0"/>
+              </a:spcAft>
+              <a:buNone/>
+            </a:pPr>
+            <a:r>
+              <a:rPr lang="en-US"/>
+              <a:t>Movie Earnings Through The Years</a:t>
+            </a:r>
+            <a:endParaRPr/>
+          </a:p>
+        </p:txBody>
+      </p:sp>
+      <p:sp>
+        <p:nvSpPr>
+          <p:cNvPr id="144" name="Google Shape;144;g2a57c3ef197_3_38"/>
+          <p:cNvSpPr txBox="1"/>
+          <p:nvPr>
+            <p:ph idx="1" type="body"/>
+          </p:nvPr>
+        </p:nvSpPr>
+        <p:spPr>
+          <a:xfrm>
+            <a:off x="728650" y="1353800"/>
+            <a:ext cx="5181600" cy="550200"/>
+          </a:xfrm>
+          <a:prstGeom prst="rect">
+            <a:avLst/>
+          </a:prstGeom>
+        </p:spPr>
+        <p:txBody>
+          <a:bodyPr anchorCtr="0" anchor="t" bIns="45700" lIns="91425" spcFirstLastPara="1" rIns="91425" wrap="square" tIns="45700">
+            <a:normAutofit/>
+          </a:bodyPr>
+          <a:lstStyle/>
+          <a:p>
+            <a:pPr indent="0" lvl="0" marL="0" rtl="0" algn="l">
+              <a:spcBef>
+                <a:spcPts val="1000"/>
+              </a:spcBef>
+              <a:spcAft>
+                <a:spcPts val="0"/>
+              </a:spcAft>
+              <a:buNone/>
+            </a:pPr>
+            <a:r>
+              <a:rPr lang="en-US"/>
+              <a:t>Foreign_Gross</a:t>
+            </a:r>
+            <a:endParaRPr/>
+          </a:p>
+        </p:txBody>
+      </p:sp>
+      <p:sp>
+        <p:nvSpPr>
+          <p:cNvPr id="145" name="Google Shape;145;g2a57c3ef197_3_38"/>
+          <p:cNvSpPr txBox="1"/>
+          <p:nvPr>
+            <p:ph idx="2" type="body"/>
+          </p:nvPr>
+        </p:nvSpPr>
+        <p:spPr>
+          <a:xfrm>
+            <a:off x="6172200" y="1353800"/>
+            <a:ext cx="5181600" cy="550200"/>
+          </a:xfrm>
+          <a:prstGeom prst="rect">
+            <a:avLst/>
+          </a:prstGeom>
+        </p:spPr>
+        <p:txBody>
+          <a:bodyPr anchorCtr="0" anchor="t" bIns="45700" lIns="91425" spcFirstLastPara="1" rIns="91425" wrap="square" tIns="45700">
+            <a:normAutofit/>
+          </a:bodyPr>
+          <a:lstStyle/>
+          <a:p>
+            <a:pPr indent="0" lvl="0" marL="0" rtl="0" algn="l">
+              <a:spcBef>
+                <a:spcPts val="1000"/>
+              </a:spcBef>
+              <a:spcAft>
+                <a:spcPts val="0"/>
+              </a:spcAft>
+              <a:buNone/>
+            </a:pPr>
+            <a:r>
+              <a:rPr lang="en-US"/>
+              <a:t>Domestic_Gross</a:t>
+            </a:r>
+            <a:endParaRPr/>
+          </a:p>
+        </p:txBody>
+      </p:sp>
+      <p:pic>
+        <p:nvPicPr>
+          <p:cNvPr id="146" name="Google Shape;146;g2a57c3ef197_3_38"/>
+          <p:cNvPicPr preferRelativeResize="0"/>
+          <p:nvPr/>
+        </p:nvPicPr>
+        <p:blipFill>
+          <a:blip r:embed="rId3">
+            <a:alphaModFix/>
+          </a:blip>
+          <a:stretch>
+            <a:fillRect/>
+          </a:stretch>
+        </p:blipFill>
+        <p:spPr>
+          <a:xfrm>
+            <a:off x="509575" y="1904000"/>
+            <a:ext cx="5400675" cy="4044100"/>
+          </a:xfrm>
+          <a:prstGeom prst="rect">
+            <a:avLst/>
+          </a:prstGeom>
+          <a:noFill/>
+          <a:ln>
+            <a:noFill/>
+          </a:ln>
+        </p:spPr>
+      </p:pic>
+      <p:pic>
+        <p:nvPicPr>
+          <p:cNvPr id="147" name="Google Shape;147;g2a57c3ef197_3_38"/>
+          <p:cNvPicPr preferRelativeResize="0"/>
+          <p:nvPr/>
+        </p:nvPicPr>
+        <p:blipFill>
+          <a:blip r:embed="rId4">
+            <a:alphaModFix/>
+          </a:blip>
+          <a:stretch>
+            <a:fillRect/>
+          </a:stretch>
+        </p:blipFill>
+        <p:spPr>
+          <a:xfrm>
+            <a:off x="6062675" y="1904000"/>
+            <a:ext cx="5400675" cy="4044100"/>
+          </a:xfrm>
+          <a:prstGeom prst="rect">
+            <a:avLst/>
+          </a:prstGeom>
+          <a:noFill/>
+          <a:ln>
+            <a:noFill/>
+          </a:ln>
+        </p:spPr>
+      </p:pic>
+      <p:sp>
+        <p:nvSpPr>
+          <p:cNvPr id="148" name="Google Shape;148;g2a57c3ef197_3_38"/>
+          <p:cNvSpPr txBox="1"/>
+          <p:nvPr/>
+        </p:nvSpPr>
+        <p:spPr>
+          <a:xfrm>
+            <a:off x="838200" y="6242400"/>
+            <a:ext cx="10434600" cy="477000"/>
+          </a:xfrm>
+          <a:prstGeom prst="rect">
+            <a:avLst/>
+          </a:prstGeom>
+          <a:noFill/>
+          <a:ln>
+            <a:noFill/>
+          </a:ln>
+        </p:spPr>
+        <p:txBody>
+          <a:bodyPr anchorCtr="0" anchor="t" bIns="91425" lIns="91425" spcFirstLastPara="1" rIns="91425" wrap="square" tIns="91425">
+            <a:spAutoFit/>
+          </a:bodyPr>
+          <a:lstStyle/>
+          <a:p>
+            <a:pPr indent="0" lvl="0" marL="0" rtl="0" algn="l">
+              <a:spcBef>
+                <a:spcPts val="0"/>
+              </a:spcBef>
+              <a:spcAft>
+                <a:spcPts val="0"/>
+              </a:spcAft>
+              <a:buNone/>
+            </a:pPr>
+            <a:r>
+              <a:rPr lang="en-US" sz="1900">
+                <a:solidFill>
+                  <a:schemeClr val="dk1"/>
+                </a:solidFill>
+                <a:latin typeface="Calibri"/>
+                <a:ea typeface="Calibri"/>
+                <a:cs typeface="Calibri"/>
+                <a:sym typeface="Calibri"/>
+              </a:rPr>
+              <a:t>Movie earning slowed down in the latter years and more investigation is required to understand why?</a:t>
+            </a:r>
+            <a:endParaRPr sz="1900">
+              <a:solidFill>
+                <a:schemeClr val="dk1"/>
+              </a:solidFill>
+              <a:latin typeface="Calibri"/>
+              <a:ea typeface="Calibri"/>
+              <a:cs typeface="Calibri"/>
+              <a:sym typeface="Calibri"/>
+            </a:endParaRPr>
+          </a:p>
+        </p:txBody>
+      </p:sp>
+    </p:spTree>
+  </p:cSld>
+  <p:clrMapOvr>
+    <a:masterClrMapping/>
+  </p:clrMapOvr>
+</p:sld>
+</file>
+
+<file path=ppt/slides/slide11.xml><?xml version="1.0" encoding="utf-8"?>
+<p:sld xmlns:a="http://schemas.openxmlformats.org/drawingml/2006/main" xmlns:r="http://schemas.openxmlformats.org/officeDocument/2006/relationships" xmlns:mc="http://schemas.openxmlformats.org/markup-compatibility/2006" xmlns:mv="urn:schemas-microsoft-com:mac:vml" xmlns:p="http://schemas.openxmlformats.org/presentationml/2006/main" xmlns:c="http://schemas.openxmlformats.org/drawingml/2006/chart" xmlns:dgm="http://schemas.openxmlformats.org/drawingml/2006/diagram" xmlns:o="urn:schemas-microsoft-com:office:office" xmlns:v="urn:schemas-microsoft-com:vml" xmlns:pvml="urn:schemas-microsoft-com:office:powerpoint" xmlns:com="http://schemas.openxmlformats.org/drawingml/2006/compatibility" xmlns:p14="http://schemas.microsoft.com/office/powerpoint/2010/main" xmlns:p15="http://schemas.microsoft.com/office/powerpoint/2012/main" xmlns:ahyp="http://schemas.microsoft.com/office/drawing/2018/hyperlinkcolor">
+  <p:cSld>
+    <p:spTree>
+      <p:nvGrpSpPr>
+        <p:cNvPr id="152" name="Shape 152"/>
+        <p:cNvGrpSpPr/>
+        <p:nvPr/>
+      </p:nvGrpSpPr>
+      <p:grpSpPr>
+        <a:xfrm>
+          <a:off x="0" y="0"/>
+          <a:ext cx="0" cy="0"/>
+          <a:chOff x="0" y="0"/>
+          <a:chExt cx="0" cy="0"/>
+        </a:xfrm>
+      </p:grpSpPr>
+      <p:sp>
+        <p:nvSpPr>
+          <p:cNvPr id="153" name="Google Shape;153;p16"/>
+          <p:cNvSpPr txBox="1"/>
+          <p:nvPr>
+            <p:ph type="title"/>
+          </p:nvPr>
+        </p:nvSpPr>
+        <p:spPr>
+          <a:xfrm>
+            <a:off x="838200" y="365125"/>
+            <a:ext cx="10515600" cy="1325563"/>
+          </a:xfrm>
+          <a:prstGeom prst="rect">
+            <a:avLst/>
+          </a:prstGeom>
+          <a:noFill/>
+          <a:ln>
+            <a:noFill/>
+          </a:ln>
+        </p:spPr>
+        <p:txBody>
+          <a:bodyPr anchorCtr="0" anchor="ctr" bIns="45700" lIns="91425" spcFirstLastPara="1" rIns="91425" wrap="square" tIns="45700">
+            <a:normAutofit/>
+          </a:bodyPr>
+          <a:lstStyle/>
+          <a:p>
+            <a:pPr indent="0" lvl="0" marL="0" rtl="0" algn="l">
+              <a:lnSpc>
+                <a:spcPct val="90000"/>
+              </a:lnSpc>
+              <a:spcBef>
+                <a:spcPts val="0"/>
+              </a:spcBef>
+              <a:spcAft>
+                <a:spcPts val="0"/>
+              </a:spcAft>
+              <a:buClr>
+                <a:schemeClr val="dk1"/>
+              </a:buClr>
+              <a:buSzPts val="4400"/>
+              <a:buFont typeface="Calibri"/>
+              <a:buNone/>
+            </a:pPr>
+            <a:r>
+              <a:rPr lang="en-US"/>
+              <a:t>Recommendations.</a:t>
+            </a:r>
+            <a:endParaRPr/>
+          </a:p>
+        </p:txBody>
+      </p:sp>
+      <p:sp>
+        <p:nvSpPr>
+          <p:cNvPr id="154" name="Google Shape;154;p16"/>
+          <p:cNvSpPr txBox="1"/>
+          <p:nvPr>
+            <p:ph idx="1" type="body"/>
+          </p:nvPr>
+        </p:nvSpPr>
+        <p:spPr>
+          <a:xfrm>
+            <a:off x="838200" y="1825624"/>
+            <a:ext cx="10515600" cy="5032375"/>
+          </a:xfrm>
+          <a:prstGeom prst="rect">
+            <a:avLst/>
+          </a:prstGeom>
+          <a:noFill/>
+          <a:ln>
+            <a:noFill/>
+          </a:ln>
+        </p:spPr>
+        <p:txBody>
+          <a:bodyPr anchorCtr="0" anchor="t" bIns="45700" lIns="91425" spcFirstLastPara="1" rIns="91425" wrap="square" tIns="45700">
+            <a:normAutofit/>
+          </a:bodyPr>
+          <a:lstStyle/>
+          <a:p>
+            <a:pPr indent="0" lvl="0" marL="0" rtl="0" algn="l">
+              <a:lnSpc>
+                <a:spcPct val="90000"/>
+              </a:lnSpc>
+              <a:spcBef>
+                <a:spcPts val="0"/>
+              </a:spcBef>
+              <a:spcAft>
+                <a:spcPts val="0"/>
+              </a:spcAft>
+              <a:buClr>
+                <a:schemeClr val="dk1"/>
+              </a:buClr>
+              <a:buSzPts val="2800"/>
+              <a:buNone/>
+            </a:pPr>
+            <a:r>
+              <a:rPr lang="en-US">
+                <a:latin typeface="Times New Roman"/>
+                <a:ea typeface="Times New Roman"/>
+                <a:cs typeface="Times New Roman"/>
+                <a:sym typeface="Times New Roman"/>
+              </a:rPr>
+              <a:t>Based on the findings. Below are the things I would recommend:</a:t>
+            </a:r>
+            <a:endParaRPr/>
+          </a:p>
+          <a:p>
+            <a:pPr indent="0" lvl="0" marL="0" rtl="0" algn="l">
+              <a:lnSpc>
+                <a:spcPct val="90000"/>
+              </a:lnSpc>
+              <a:spcBef>
+                <a:spcPts val="1000"/>
+              </a:spcBef>
+              <a:spcAft>
+                <a:spcPts val="0"/>
+              </a:spcAft>
+              <a:buClr>
+                <a:schemeClr val="dk1"/>
+              </a:buClr>
+              <a:buSzPts val="2800"/>
+              <a:buNone/>
+            </a:pPr>
+            <a:r>
+              <a:t/>
+            </a:r>
+            <a:endParaRPr/>
+          </a:p>
+          <a:p>
+            <a:pPr indent="-342900" lvl="0" marL="457200" rtl="0" algn="l">
+              <a:lnSpc>
+                <a:spcPct val="90000"/>
+              </a:lnSpc>
+              <a:spcBef>
+                <a:spcPts val="1000"/>
+              </a:spcBef>
+              <a:spcAft>
+                <a:spcPts val="0"/>
+              </a:spcAft>
+              <a:buSzPts val="1800"/>
+              <a:buChar char="-"/>
+            </a:pPr>
+            <a:r>
+              <a:rPr lang="en-US"/>
+              <a:t>Microsoft Studio should be customer oriented and make movies from the most popular genres eg Drama Movies and a combination of top genres</a:t>
+            </a:r>
+            <a:endParaRPr/>
+          </a:p>
+          <a:p>
+            <a:pPr indent="-342900" lvl="0" marL="457200" rtl="0" algn="l">
+              <a:lnSpc>
+                <a:spcPct val="90000"/>
+              </a:lnSpc>
+              <a:spcBef>
+                <a:spcPts val="0"/>
+              </a:spcBef>
+              <a:spcAft>
+                <a:spcPts val="0"/>
+              </a:spcAft>
+              <a:buSzPts val="1800"/>
+              <a:buChar char="-"/>
+            </a:pPr>
+            <a:r>
+              <a:rPr lang="en-US"/>
+              <a:t>Microsoft should make longer movies in comparison to shorter movies</a:t>
+            </a:r>
+            <a:endParaRPr/>
+          </a:p>
+          <a:p>
+            <a:pPr indent="-342900" lvl="0" marL="457200" rtl="0" algn="l">
+              <a:lnSpc>
+                <a:spcPct val="90000"/>
+              </a:lnSpc>
+              <a:spcBef>
+                <a:spcPts val="0"/>
+              </a:spcBef>
+              <a:spcAft>
+                <a:spcPts val="0"/>
+              </a:spcAft>
+              <a:buSzPts val="1800"/>
+              <a:buChar char="-"/>
+            </a:pPr>
+            <a:r>
+              <a:rPr lang="en-US"/>
+              <a:t>Microsoft Studios should do a deeper study on why through the years movie earnings slowed down</a:t>
+            </a:r>
+            <a:endParaRPr/>
+          </a:p>
+        </p:txBody>
+      </p:sp>
+    </p:spTree>
+  </p:cSld>
+  <p:clrMapOvr>
+    <a:masterClrMapping/>
+  </p:clrMapOvr>
+</p:sld>
+</file>
+
 <file path=ppt/slides/slide2.xml><?xml version="1.0" encoding="utf-8"?>
 <p:sld xmlns:a="http://schemas.openxmlformats.org/drawingml/2006/main" xmlns:r="http://schemas.openxmlformats.org/officeDocument/2006/relationships" xmlns:mc="http://schemas.openxmlformats.org/markup-compatibility/2006" xmlns:mv="urn:schemas-microsoft-com:mac:vml" xmlns:p="http://schemas.openxmlformats.org/presentationml/2006/main" xmlns:c="http://schemas.openxmlformats.org/drawingml/2006/chart" xmlns:dgm="http://schemas.openxmlformats.org/drawingml/2006/diagram" xmlns:o="urn:schemas-microsoft-com:office:office" xmlns:v="urn:schemas-microsoft-com:vml" xmlns:pvml="urn:schemas-microsoft-com:office:powerpoint" xmlns:com="http://schemas.openxmlformats.org/drawingml/2006/compatibility" xmlns:p14="http://schemas.microsoft.com/office/powerpoint/2010/main" xmlns:p15="http://schemas.microsoft.com/office/powerpoint/2012/main" xmlns:ahyp="http://schemas.microsoft.com/office/drawing/2018/hyperlinkcolor">
   <p:cSld>
@@ -12317,7 +13291,7 @@
       </p:grpSpPr>
       <p:sp>
         <p:nvSpPr>
-          <p:cNvPr id="112" name="Google Shape;112;p16"/>
+          <p:cNvPr id="112" name="Google Shape;112;g2a57c3ef197_3_7"/>
           <p:cNvSpPr txBox="1"/>
           <p:nvPr>
             <p:ph type="title"/>
@@ -12325,8 +13299,659 @@
         </p:nvSpPr>
         <p:spPr>
           <a:xfrm>
-            <a:off x="838200" y="365125"/>
-            <a:ext cx="10515600" cy="1325563"/>
+            <a:off x="838200" y="179775"/>
+            <a:ext cx="10515600" cy="999600"/>
+          </a:xfrm>
+          <a:prstGeom prst="rect">
+            <a:avLst/>
+          </a:prstGeom>
+        </p:spPr>
+        <p:txBody>
+          <a:bodyPr anchorCtr="0" anchor="ctr" bIns="45700" lIns="91425" spcFirstLastPara="1" rIns="91425" wrap="square" tIns="45700">
+            <a:normAutofit/>
+          </a:bodyPr>
+          <a:lstStyle/>
+          <a:p>
+            <a:pPr indent="0" lvl="0" marL="0" rtl="0" algn="l">
+              <a:spcBef>
+                <a:spcPts val="0"/>
+              </a:spcBef>
+              <a:spcAft>
+                <a:spcPts val="0"/>
+              </a:spcAft>
+              <a:buNone/>
+            </a:pPr>
+            <a:r>
+              <a:rPr lang="en-US"/>
+              <a:t>Findings On Our Most Popular genres</a:t>
+            </a:r>
+            <a:endParaRPr/>
+          </a:p>
+        </p:txBody>
+      </p:sp>
+      <p:sp>
+        <p:nvSpPr>
+          <p:cNvPr id="113" name="Google Shape;113;g2a57c3ef197_3_7"/>
+          <p:cNvSpPr txBox="1"/>
+          <p:nvPr>
+            <p:ph idx="2" type="body"/>
+          </p:nvPr>
+        </p:nvSpPr>
+        <p:spPr>
+          <a:xfrm>
+            <a:off x="6172200" y="1825625"/>
+            <a:ext cx="5181600" cy="4351200"/>
+          </a:xfrm>
+          <a:prstGeom prst="rect">
+            <a:avLst/>
+          </a:prstGeom>
+        </p:spPr>
+        <p:txBody>
+          <a:bodyPr anchorCtr="0" anchor="t" bIns="45700" lIns="91425" spcFirstLastPara="1" rIns="91425" wrap="square" tIns="45700">
+            <a:normAutofit/>
+          </a:bodyPr>
+          <a:lstStyle/>
+          <a:p>
+            <a:pPr indent="-342900" lvl="0" marL="457200" rtl="0" algn="l">
+              <a:spcBef>
+                <a:spcPts val="1000"/>
+              </a:spcBef>
+              <a:spcAft>
+                <a:spcPts val="0"/>
+              </a:spcAft>
+              <a:buSzPts val="1800"/>
+              <a:buChar char="-"/>
+            </a:pPr>
+            <a:r>
+              <a:rPr lang="en-US"/>
+              <a:t>I plotted a bar graph containing the frequency each movie genre and got the top five movie genres being: Drama, Documentary, Comedy, Horror and Thriller respectively.</a:t>
+            </a:r>
+            <a:endParaRPr/>
+          </a:p>
+          <a:p>
+            <a:pPr indent="-342900" lvl="0" marL="457200" rtl="0" algn="l">
+              <a:spcBef>
+                <a:spcPts val="0"/>
+              </a:spcBef>
+              <a:spcAft>
+                <a:spcPts val="0"/>
+              </a:spcAft>
+              <a:buSzPts val="1800"/>
+              <a:buChar char="-"/>
+            </a:pPr>
+            <a:r>
+              <a:rPr lang="en-US"/>
+              <a:t>To be noted though, movies usually cover more than one genre, which is evidenced by our data.</a:t>
+            </a:r>
+            <a:endParaRPr/>
+          </a:p>
+          <a:p>
+            <a:pPr indent="-342900" lvl="0" marL="457200" rtl="0" algn="l">
+              <a:spcBef>
+                <a:spcPts val="0"/>
+              </a:spcBef>
+              <a:spcAft>
+                <a:spcPts val="0"/>
+              </a:spcAft>
+              <a:buSzPts val="1800"/>
+              <a:buChar char="-"/>
+            </a:pPr>
+            <a:r>
+              <a:t/>
+            </a:r>
+            <a:endParaRPr/>
+          </a:p>
+        </p:txBody>
+      </p:sp>
+      <p:pic>
+        <p:nvPicPr>
+          <p:cNvPr id="114" name="Google Shape;114;g2a57c3ef197_3_7"/>
+          <p:cNvPicPr preferRelativeResize="0"/>
+          <p:nvPr/>
+        </p:nvPicPr>
+        <p:blipFill>
+          <a:blip r:embed="rId3">
+            <a:alphaModFix/>
+          </a:blip>
+          <a:stretch>
+            <a:fillRect/>
+          </a:stretch>
+        </p:blipFill>
+        <p:spPr>
+          <a:xfrm>
+            <a:off x="332150" y="1330475"/>
+            <a:ext cx="5351724" cy="5341500"/>
+          </a:xfrm>
+          <a:prstGeom prst="rect">
+            <a:avLst/>
+          </a:prstGeom>
+          <a:noFill/>
+          <a:ln>
+            <a:noFill/>
+          </a:ln>
+        </p:spPr>
+      </p:pic>
+    </p:spTree>
+  </p:cSld>
+  <p:clrMapOvr>
+    <a:masterClrMapping/>
+  </p:clrMapOvr>
+</p:sld>
+</file>
+
+<file path=ppt/slides/slide7.xml><?xml version="1.0" encoding="utf-8"?>
+<p:sld xmlns:a="http://schemas.openxmlformats.org/drawingml/2006/main" xmlns:r="http://schemas.openxmlformats.org/officeDocument/2006/relationships" xmlns:mc="http://schemas.openxmlformats.org/markup-compatibility/2006" xmlns:mv="urn:schemas-microsoft-com:mac:vml" xmlns:p="http://schemas.openxmlformats.org/presentationml/2006/main" xmlns:c="http://schemas.openxmlformats.org/drawingml/2006/chart" xmlns:dgm="http://schemas.openxmlformats.org/drawingml/2006/diagram" xmlns:o="urn:schemas-microsoft-com:office:office" xmlns:v="urn:schemas-microsoft-com:vml" xmlns:pvml="urn:schemas-microsoft-com:office:powerpoint" xmlns:com="http://schemas.openxmlformats.org/drawingml/2006/compatibility" xmlns:p14="http://schemas.microsoft.com/office/powerpoint/2010/main" xmlns:p15="http://schemas.microsoft.com/office/powerpoint/2012/main" xmlns:ahyp="http://schemas.microsoft.com/office/drawing/2018/hyperlinkcolor">
+  <p:cSld>
+    <p:spTree>
+      <p:nvGrpSpPr>
+        <p:cNvPr id="118" name="Shape 118"/>
+        <p:cNvGrpSpPr/>
+        <p:nvPr/>
+      </p:nvGrpSpPr>
+      <p:grpSpPr>
+        <a:xfrm>
+          <a:off x="0" y="0"/>
+          <a:ext cx="0" cy="0"/>
+          <a:chOff x="0" y="0"/>
+          <a:chExt cx="0" cy="0"/>
+        </a:xfrm>
+      </p:grpSpPr>
+      <p:sp>
+        <p:nvSpPr>
+          <p:cNvPr id="119" name="Google Shape;119;g2a57c3ef197_3_14"/>
+          <p:cNvSpPr txBox="1"/>
+          <p:nvPr>
+            <p:ph type="title"/>
+          </p:nvPr>
+        </p:nvSpPr>
+        <p:spPr>
+          <a:xfrm>
+            <a:off x="838200" y="151650"/>
+            <a:ext cx="10515600" cy="1078500"/>
+          </a:xfrm>
+          <a:prstGeom prst="rect">
+            <a:avLst/>
+          </a:prstGeom>
+        </p:spPr>
+        <p:txBody>
+          <a:bodyPr anchorCtr="0" anchor="ctr" bIns="45700" lIns="91425" spcFirstLastPara="1" rIns="91425" wrap="square" tIns="45700">
+            <a:normAutofit/>
+          </a:bodyPr>
+          <a:lstStyle/>
+          <a:p>
+            <a:pPr indent="0" lvl="0" marL="0" rtl="0" algn="l">
+              <a:spcBef>
+                <a:spcPts val="0"/>
+              </a:spcBef>
+              <a:spcAft>
+                <a:spcPts val="0"/>
+              </a:spcAft>
+              <a:buNone/>
+            </a:pPr>
+            <a:r>
+              <a:rPr lang="en-US"/>
+              <a:t>Movie Genres Against Movie Genres</a:t>
+            </a:r>
+            <a:endParaRPr/>
+          </a:p>
+        </p:txBody>
+      </p:sp>
+      <p:sp>
+        <p:nvSpPr>
+          <p:cNvPr id="120" name="Google Shape;120;g2a57c3ef197_3_14"/>
+          <p:cNvSpPr txBox="1"/>
+          <p:nvPr>
+            <p:ph idx="2" type="body"/>
+          </p:nvPr>
+        </p:nvSpPr>
+        <p:spPr>
+          <a:xfrm>
+            <a:off x="6172200" y="1623400"/>
+            <a:ext cx="5181600" cy="4830300"/>
+          </a:xfrm>
+          <a:prstGeom prst="rect">
+            <a:avLst/>
+          </a:prstGeom>
+        </p:spPr>
+        <p:txBody>
+          <a:bodyPr anchorCtr="0" anchor="t" bIns="45700" lIns="91425" spcFirstLastPara="1" rIns="91425" wrap="square" tIns="45700">
+            <a:normAutofit/>
+          </a:bodyPr>
+          <a:lstStyle/>
+          <a:p>
+            <a:pPr indent="-330200" lvl="0" marL="457200" rtl="0" algn="l">
+              <a:spcBef>
+                <a:spcPts val="1000"/>
+              </a:spcBef>
+              <a:spcAft>
+                <a:spcPts val="0"/>
+              </a:spcAft>
+              <a:buSzPts val="1600"/>
+              <a:buChar char="-"/>
+            </a:pPr>
+            <a:r>
+              <a:rPr lang="en-US" sz="2600"/>
+              <a:t>I then plotted the themes of the movies genres against average rating to find out if there was a </a:t>
+            </a:r>
+            <a:r>
+              <a:rPr lang="en-US" sz="2600"/>
+              <a:t>preference</a:t>
+            </a:r>
+            <a:r>
+              <a:rPr lang="en-US" sz="2600"/>
+              <a:t> from viewers to various movie themes. To be noted some movies also featured more than one genre but i treated them as a single unit.</a:t>
+            </a:r>
+            <a:endParaRPr sz="2600"/>
+          </a:p>
+          <a:p>
+            <a:pPr indent="-330200" lvl="0" marL="457200" rtl="0" algn="l">
+              <a:spcBef>
+                <a:spcPts val="0"/>
+              </a:spcBef>
+              <a:spcAft>
+                <a:spcPts val="0"/>
+              </a:spcAft>
+              <a:buSzPts val="1600"/>
+              <a:buChar char="-"/>
+            </a:pPr>
+            <a:r>
+              <a:rPr lang="en-US" sz="2600"/>
+              <a:t>Movies with a combination of (adventure,drama,fantasy) turned out to be the most popular according to average findings.</a:t>
+            </a:r>
+            <a:endParaRPr sz="2600"/>
+          </a:p>
+        </p:txBody>
+      </p:sp>
+      <p:pic>
+        <p:nvPicPr>
+          <p:cNvPr id="121" name="Google Shape;121;g2a57c3ef197_3_14"/>
+          <p:cNvPicPr preferRelativeResize="0"/>
+          <p:nvPr/>
+        </p:nvPicPr>
+        <p:blipFill>
+          <a:blip r:embed="rId3">
+            <a:alphaModFix/>
+          </a:blip>
+          <a:stretch>
+            <a:fillRect/>
+          </a:stretch>
+        </p:blipFill>
+        <p:spPr>
+          <a:xfrm>
+            <a:off x="910650" y="1399400"/>
+            <a:ext cx="5054300" cy="5323050"/>
+          </a:xfrm>
+          <a:prstGeom prst="rect">
+            <a:avLst/>
+          </a:prstGeom>
+          <a:noFill/>
+          <a:ln>
+            <a:noFill/>
+          </a:ln>
+        </p:spPr>
+      </p:pic>
+    </p:spTree>
+  </p:cSld>
+  <p:clrMapOvr>
+    <a:masterClrMapping/>
+  </p:clrMapOvr>
+</p:sld>
+</file>
+
+<file path=ppt/slides/slide8.xml><?xml version="1.0" encoding="utf-8"?>
+<p:sld xmlns:a="http://schemas.openxmlformats.org/drawingml/2006/main" xmlns:r="http://schemas.openxmlformats.org/officeDocument/2006/relationships" xmlns:mc="http://schemas.openxmlformats.org/markup-compatibility/2006" xmlns:mv="urn:schemas-microsoft-com:mac:vml" xmlns:p="http://schemas.openxmlformats.org/presentationml/2006/main" xmlns:c="http://schemas.openxmlformats.org/drawingml/2006/chart" xmlns:dgm="http://schemas.openxmlformats.org/drawingml/2006/diagram" xmlns:o="urn:schemas-microsoft-com:office:office" xmlns:v="urn:schemas-microsoft-com:vml" xmlns:pvml="urn:schemas-microsoft-com:office:powerpoint" xmlns:com="http://schemas.openxmlformats.org/drawingml/2006/compatibility" xmlns:p14="http://schemas.microsoft.com/office/powerpoint/2010/main" xmlns:p15="http://schemas.microsoft.com/office/powerpoint/2012/main" xmlns:ahyp="http://schemas.microsoft.com/office/drawing/2018/hyperlinkcolor">
+  <p:cSld>
+    <p:spTree>
+      <p:nvGrpSpPr>
+        <p:cNvPr id="125" name="Shape 125"/>
+        <p:cNvGrpSpPr/>
+        <p:nvPr/>
+      </p:nvGrpSpPr>
+      <p:grpSpPr>
+        <a:xfrm>
+          <a:off x="0" y="0"/>
+          <a:ext cx="0" cy="0"/>
+          <a:chOff x="0" y="0"/>
+          <a:chExt cx="0" cy="0"/>
+        </a:xfrm>
+      </p:grpSpPr>
+      <p:sp>
+        <p:nvSpPr>
+          <p:cNvPr id="126" name="Google Shape;126;g2a57c3ef197_3_22"/>
+          <p:cNvSpPr txBox="1"/>
+          <p:nvPr>
+            <p:ph type="title"/>
+          </p:nvPr>
+        </p:nvSpPr>
+        <p:spPr>
+          <a:xfrm>
+            <a:off x="838200" y="247175"/>
+            <a:ext cx="10515600" cy="1325700"/>
+          </a:xfrm>
+          <a:prstGeom prst="rect">
+            <a:avLst/>
+          </a:prstGeom>
+        </p:spPr>
+        <p:txBody>
+          <a:bodyPr anchorCtr="0" anchor="ctr" bIns="45700" lIns="91425" spcFirstLastPara="1" rIns="91425" wrap="square" tIns="45700">
+            <a:normAutofit/>
+          </a:bodyPr>
+          <a:lstStyle/>
+          <a:p>
+            <a:pPr indent="0" lvl="0" marL="0" rtl="0" algn="l">
+              <a:spcBef>
+                <a:spcPts val="0"/>
+              </a:spcBef>
+              <a:spcAft>
+                <a:spcPts val="0"/>
+              </a:spcAft>
+              <a:buNone/>
+            </a:pPr>
+            <a:r>
+              <a:rPr lang="en-US"/>
+              <a:t>Findings on Runtime</a:t>
+            </a:r>
+            <a:endParaRPr/>
+          </a:p>
+        </p:txBody>
+      </p:sp>
+      <p:sp>
+        <p:nvSpPr>
+          <p:cNvPr id="127" name="Google Shape;127;g2a57c3ef197_3_22"/>
+          <p:cNvSpPr txBox="1"/>
+          <p:nvPr>
+            <p:ph idx="2" type="body"/>
+          </p:nvPr>
+        </p:nvSpPr>
+        <p:spPr>
+          <a:xfrm>
+            <a:off x="6172200" y="1825625"/>
+            <a:ext cx="5181600" cy="4351200"/>
+          </a:xfrm>
+          <a:prstGeom prst="rect">
+            <a:avLst/>
+          </a:prstGeom>
+        </p:spPr>
+        <p:txBody>
+          <a:bodyPr anchorCtr="0" anchor="t" bIns="45700" lIns="91425" spcFirstLastPara="1" rIns="91425" wrap="square" tIns="45700">
+            <a:normAutofit/>
+          </a:bodyPr>
+          <a:lstStyle/>
+          <a:p>
+            <a:pPr indent="-342900" lvl="0" marL="457200" rtl="0" algn="l">
+              <a:spcBef>
+                <a:spcPts val="1000"/>
+              </a:spcBef>
+              <a:spcAft>
+                <a:spcPts val="0"/>
+              </a:spcAft>
+              <a:buSzPts val="1800"/>
+              <a:buChar char="-"/>
+            </a:pPr>
+            <a:r>
+              <a:rPr lang="en-US"/>
+              <a:t>I investigated a movies runtime against average rating to find consumer preference.</a:t>
+            </a:r>
+            <a:endParaRPr/>
+          </a:p>
+          <a:p>
+            <a:pPr indent="-342900" lvl="0" marL="457200" rtl="0" algn="l">
+              <a:spcBef>
+                <a:spcPts val="0"/>
+              </a:spcBef>
+              <a:spcAft>
+                <a:spcPts val="0"/>
+              </a:spcAft>
+              <a:buSzPts val="1800"/>
+              <a:buChar char="-"/>
+            </a:pPr>
+            <a:r>
+              <a:rPr lang="en-US"/>
+              <a:t>There was a higher preference for movies to be longer than there was for shorter movies.</a:t>
+            </a:r>
+            <a:endParaRPr/>
+          </a:p>
+        </p:txBody>
+      </p:sp>
+      <p:pic>
+        <p:nvPicPr>
+          <p:cNvPr id="128" name="Google Shape;128;g2a57c3ef197_3_22"/>
+          <p:cNvPicPr preferRelativeResize="0"/>
+          <p:nvPr/>
+        </p:nvPicPr>
+        <p:blipFill>
+          <a:blip r:embed="rId3">
+            <a:alphaModFix/>
+          </a:blip>
+          <a:stretch>
+            <a:fillRect/>
+          </a:stretch>
+        </p:blipFill>
+        <p:spPr>
+          <a:xfrm>
+            <a:off x="657150" y="1466075"/>
+            <a:ext cx="4802299" cy="5221925"/>
+          </a:xfrm>
+          <a:prstGeom prst="rect">
+            <a:avLst/>
+          </a:prstGeom>
+          <a:noFill/>
+          <a:ln>
+            <a:noFill/>
+          </a:ln>
+        </p:spPr>
+      </p:pic>
+    </p:spTree>
+  </p:cSld>
+  <p:clrMapOvr>
+    <a:masterClrMapping/>
+  </p:clrMapOvr>
+</p:sld>
+</file>
+
+<file path=ppt/slides/slide9.xml><?xml version="1.0" encoding="utf-8"?>
+<p:sld xmlns:a="http://schemas.openxmlformats.org/drawingml/2006/main" xmlns:r="http://schemas.openxmlformats.org/officeDocument/2006/relationships" xmlns:mc="http://schemas.openxmlformats.org/markup-compatibility/2006" xmlns:mv="urn:schemas-microsoft-com:mac:vml" xmlns:p="http://schemas.openxmlformats.org/presentationml/2006/main" xmlns:c="http://schemas.openxmlformats.org/drawingml/2006/chart" xmlns:dgm="http://schemas.openxmlformats.org/drawingml/2006/diagram" xmlns:o="urn:schemas-microsoft-com:office:office" xmlns:v="urn:schemas-microsoft-com:vml" xmlns:pvml="urn:schemas-microsoft-com:office:powerpoint" xmlns:com="http://schemas.openxmlformats.org/drawingml/2006/compatibility" xmlns:p14="http://schemas.microsoft.com/office/powerpoint/2010/main" xmlns:p15="http://schemas.microsoft.com/office/powerpoint/2012/main" xmlns:ahyp="http://schemas.microsoft.com/office/drawing/2018/hyperlinkcolor">
+  <p:cSld>
+    <p:spTree>
+      <p:nvGrpSpPr>
+        <p:cNvPr id="132" name="Shape 132"/>
+        <p:cNvGrpSpPr/>
+        <p:nvPr/>
+      </p:nvGrpSpPr>
+      <p:grpSpPr>
+        <a:xfrm>
+          <a:off x="0" y="0"/>
+          <a:ext cx="0" cy="0"/>
+          <a:chOff x="0" y="0"/>
+          <a:chExt cx="0" cy="0"/>
+        </a:xfrm>
+      </p:grpSpPr>
+      <p:sp>
+        <p:nvSpPr>
+          <p:cNvPr id="133" name="Google Shape;133;g2a57c3ef197_3_29"/>
+          <p:cNvSpPr txBox="1"/>
+          <p:nvPr>
+            <p:ph type="title"/>
+          </p:nvPr>
+        </p:nvSpPr>
+        <p:spPr>
+          <a:xfrm>
+            <a:off x="838200" y="280875"/>
+            <a:ext cx="10515600" cy="1117800"/>
+          </a:xfrm>
+          <a:prstGeom prst="rect">
+            <a:avLst/>
+          </a:prstGeom>
+        </p:spPr>
+        <p:txBody>
+          <a:bodyPr anchorCtr="0" anchor="ctr" bIns="45700" lIns="91425" spcFirstLastPara="1" rIns="91425" wrap="square" tIns="45700">
+            <a:normAutofit/>
+          </a:bodyPr>
+          <a:lstStyle/>
+          <a:p>
+            <a:pPr indent="0" lvl="0" marL="0" rtl="0" algn="l">
+              <a:spcBef>
+                <a:spcPts val="0"/>
+              </a:spcBef>
+              <a:spcAft>
+                <a:spcPts val="0"/>
+              </a:spcAft>
+              <a:buNone/>
+            </a:pPr>
+            <a:r>
+              <a:rPr lang="en-US" sz="4000"/>
+              <a:t>Findings on The effect of ratings on movie income</a:t>
+            </a:r>
+            <a:endParaRPr sz="4000"/>
+          </a:p>
+        </p:txBody>
+      </p:sp>
+      <p:sp>
+        <p:nvSpPr>
+          <p:cNvPr id="134" name="Google Shape;134;g2a57c3ef197_3_29"/>
+          <p:cNvSpPr txBox="1"/>
+          <p:nvPr>
+            <p:ph idx="1" type="body"/>
+          </p:nvPr>
+        </p:nvSpPr>
+        <p:spPr>
+          <a:xfrm>
+            <a:off x="838200" y="1825625"/>
+            <a:ext cx="5181600" cy="432300"/>
+          </a:xfrm>
+          <a:prstGeom prst="rect">
+            <a:avLst/>
+          </a:prstGeom>
+        </p:spPr>
+        <p:txBody>
+          <a:bodyPr anchorCtr="0" anchor="t" bIns="45700" lIns="91425" spcFirstLastPara="1" rIns="91425" wrap="square" tIns="45700">
+            <a:normAutofit lnSpcReduction="20000"/>
+          </a:bodyPr>
+          <a:lstStyle/>
+          <a:p>
+            <a:pPr indent="0" lvl="0" marL="0" rtl="0" algn="l">
+              <a:spcBef>
+                <a:spcPts val="1000"/>
+              </a:spcBef>
+              <a:spcAft>
+                <a:spcPts val="0"/>
+              </a:spcAft>
+              <a:buNone/>
+            </a:pPr>
+            <a:r>
+              <a:rPr lang="en-US"/>
+              <a:t>Domestic_Gross</a:t>
+            </a:r>
+            <a:endParaRPr/>
+          </a:p>
+        </p:txBody>
+      </p:sp>
+      <p:sp>
+        <p:nvSpPr>
+          <p:cNvPr id="135" name="Google Shape;135;g2a57c3ef197_3_29"/>
+          <p:cNvSpPr txBox="1"/>
+          <p:nvPr>
+            <p:ph idx="2" type="body"/>
+          </p:nvPr>
+        </p:nvSpPr>
+        <p:spPr>
+          <a:xfrm>
+            <a:off x="6172200" y="1825625"/>
+            <a:ext cx="5181600" cy="550200"/>
+          </a:xfrm>
+          <a:prstGeom prst="rect">
+            <a:avLst/>
+          </a:prstGeom>
+        </p:spPr>
+        <p:txBody>
+          <a:bodyPr anchorCtr="0" anchor="t" bIns="45700" lIns="91425" spcFirstLastPara="1" rIns="91425" wrap="square" tIns="45700">
+            <a:normAutofit/>
+          </a:bodyPr>
+          <a:lstStyle/>
+          <a:p>
+            <a:pPr indent="0" lvl="0" marL="0" rtl="0" algn="l">
+              <a:spcBef>
+                <a:spcPts val="1000"/>
+              </a:spcBef>
+              <a:spcAft>
+                <a:spcPts val="0"/>
+              </a:spcAft>
+              <a:buNone/>
+            </a:pPr>
+            <a:r>
+              <a:rPr lang="en-US"/>
+              <a:t>Foreign_Gross</a:t>
+            </a:r>
+            <a:endParaRPr/>
+          </a:p>
+        </p:txBody>
+      </p:sp>
+      <p:pic>
+        <p:nvPicPr>
+          <p:cNvPr id="136" name="Google Shape;136;g2a57c3ef197_3_29"/>
+          <p:cNvPicPr preferRelativeResize="0"/>
+          <p:nvPr/>
+        </p:nvPicPr>
+        <p:blipFill>
+          <a:blip r:embed="rId3">
+            <a:alphaModFix/>
+          </a:blip>
+          <a:stretch>
+            <a:fillRect/>
+          </a:stretch>
+        </p:blipFill>
+        <p:spPr>
+          <a:xfrm>
+            <a:off x="838200" y="2375825"/>
+            <a:ext cx="5109900" cy="3538575"/>
+          </a:xfrm>
+          <a:prstGeom prst="rect">
+            <a:avLst/>
+          </a:prstGeom>
+          <a:noFill/>
+          <a:ln>
+            <a:noFill/>
+          </a:ln>
+        </p:spPr>
+      </p:pic>
+      <p:pic>
+        <p:nvPicPr>
+          <p:cNvPr id="137" name="Google Shape;137;g2a57c3ef197_3_29"/>
+          <p:cNvPicPr preferRelativeResize="0"/>
+          <p:nvPr/>
+        </p:nvPicPr>
+        <p:blipFill>
+          <a:blip r:embed="rId4">
+            <a:alphaModFix/>
+          </a:blip>
+          <a:stretch>
+            <a:fillRect/>
+          </a:stretch>
+        </p:blipFill>
+        <p:spPr>
+          <a:xfrm>
+            <a:off x="6172200" y="2493775"/>
+            <a:ext cx="4797226" cy="3420625"/>
+          </a:xfrm>
+          <a:prstGeom prst="rect">
+            <a:avLst/>
+          </a:prstGeom>
+          <a:noFill/>
+          <a:ln>
+            <a:noFill/>
+          </a:ln>
+        </p:spPr>
+      </p:pic>
+      <p:sp>
+        <p:nvSpPr>
+          <p:cNvPr id="138" name="Google Shape;138;g2a57c3ef197_3_29"/>
+          <p:cNvSpPr txBox="1"/>
+          <p:nvPr/>
+        </p:nvSpPr>
+        <p:spPr>
+          <a:xfrm>
+            <a:off x="838250" y="6242400"/>
+            <a:ext cx="10515600" cy="615600"/>
           </a:xfrm>
           <a:prstGeom prst="rect">
             <a:avLst/>
@@ -12337,151 +13962,65 @@
           </a:ln>
         </p:spPr>
         <p:txBody>
-          <a:bodyPr anchorCtr="0" anchor="ctr" bIns="45700" lIns="91425" spcFirstLastPara="1" rIns="91425" wrap="square" tIns="45700">
-            <a:normAutofit/>
+          <a:bodyPr anchorCtr="0" anchor="t" bIns="91425" lIns="91425" spcFirstLastPara="1" rIns="91425" wrap="square" tIns="91425">
+            <a:spAutoFit/>
           </a:bodyPr>
           <a:lstStyle/>
           <a:p>
             <a:pPr indent="0" lvl="0" marL="0" rtl="0" algn="l">
-              <a:lnSpc>
-                <a:spcPct val="90000"/>
-              </a:lnSpc>
-              <a:spcBef>
-                <a:spcPts val="0"/>
-              </a:spcBef>
-              <a:spcAft>
-                <a:spcPts val="0"/>
-              </a:spcAft>
-              <a:buClr>
-                <a:schemeClr val="dk1"/>
-              </a:buClr>
-              <a:buSzPts val="4400"/>
-              <a:buFont typeface="Calibri"/>
+              <a:spcBef>
+                <a:spcPts val="0"/>
+              </a:spcBef>
+              <a:spcAft>
+                <a:spcPts val="0"/>
+              </a:spcAft>
               <a:buNone/>
             </a:pPr>
             <a:r>
-              <a:rPr lang="en-US"/>
-              <a:t>Recommendations.</a:t>
+              <a:rPr lang="en-US" sz="2800">
+                <a:solidFill>
+                  <a:schemeClr val="dk1"/>
+                </a:solidFill>
+                <a:latin typeface="Calibri"/>
+                <a:ea typeface="Calibri"/>
+                <a:cs typeface="Calibri"/>
+                <a:sym typeface="Calibri"/>
+              </a:rPr>
+              <a:t>In bothincome increased </a:t>
             </a:r>
-            <a:endParaRPr/>
-          </a:p>
-        </p:txBody>
-      </p:sp>
-      <p:sp>
-        <p:nvSpPr>
-          <p:cNvPr id="113" name="Google Shape;113;p16"/>
-          <p:cNvSpPr txBox="1"/>
-          <p:nvPr>
-            <p:ph idx="1" type="body"/>
-          </p:nvPr>
-        </p:nvSpPr>
-        <p:spPr>
-          <a:xfrm>
-            <a:off x="838200" y="1825624"/>
-            <a:ext cx="10515600" cy="5032375"/>
-          </a:xfrm>
-          <a:prstGeom prst="rect">
-            <a:avLst/>
-          </a:prstGeom>
-          <a:noFill/>
-          <a:ln>
-            <a:noFill/>
-          </a:ln>
-        </p:spPr>
-        <p:txBody>
-          <a:bodyPr anchorCtr="0" anchor="t" bIns="45700" lIns="91425" spcFirstLastPara="1" rIns="91425" wrap="square" tIns="45700">
-            <a:normAutofit/>
-          </a:bodyPr>
-          <a:lstStyle/>
-          <a:p>
-            <a:pPr indent="0" lvl="0" marL="0" rtl="0" algn="l">
-              <a:lnSpc>
-                <a:spcPct val="90000"/>
-              </a:lnSpc>
-              <a:spcBef>
-                <a:spcPts val="0"/>
-              </a:spcBef>
-              <a:spcAft>
-                <a:spcPts val="0"/>
-              </a:spcAft>
-              <a:buClr>
-                <a:schemeClr val="dk1"/>
-              </a:buClr>
-              <a:buSzPts val="2800"/>
-              <a:buNone/>
-            </a:pPr>
             <a:r>
-              <a:rPr lang="en-US">
-                <a:latin typeface="Times New Roman"/>
-                <a:ea typeface="Times New Roman"/>
-                <a:cs typeface="Times New Roman"/>
-                <a:sym typeface="Times New Roman"/>
+              <a:rPr lang="en-US" sz="2800">
+                <a:solidFill>
+                  <a:schemeClr val="dk1"/>
+                </a:solidFill>
+                <a:latin typeface="Calibri"/>
+                <a:ea typeface="Calibri"/>
+                <a:cs typeface="Calibri"/>
+                <a:sym typeface="Calibri"/>
               </a:rPr>
-              <a:t>Based on the findings. Below are the things I would recommend:</a:t>
+              <a:t>proportionally</a:t>
             </a:r>
-            <a:endParaRPr/>
-          </a:p>
-          <a:p>
-            <a:pPr indent="0" lvl="0" marL="0" rtl="0" algn="l">
-              <a:lnSpc>
-                <a:spcPct val="90000"/>
-              </a:lnSpc>
-              <a:spcBef>
-                <a:spcPts val="1000"/>
-              </a:spcBef>
-              <a:spcAft>
-                <a:spcPts val="0"/>
-              </a:spcAft>
-              <a:buClr>
-                <a:schemeClr val="dk1"/>
-              </a:buClr>
-              <a:buSzPts val="2800"/>
-              <a:buNone/>
-            </a:pPr>
             <a:r>
-              <a:t/>
+              <a:rPr lang="en-US" sz="2800">
+                <a:solidFill>
+                  <a:schemeClr val="dk1"/>
+                </a:solidFill>
+                <a:latin typeface="Calibri"/>
+                <a:ea typeface="Calibri"/>
+                <a:cs typeface="Calibri"/>
+                <a:sym typeface="Calibri"/>
+              </a:rPr>
+              <a:t> with average ratings</a:t>
             </a:r>
-            <a:endParaRPr/>
-          </a:p>
-          <a:p>
-            <a:pPr indent="-342900" lvl="0" marL="457200" rtl="0" algn="l">
-              <a:lnSpc>
-                <a:spcPct val="90000"/>
-              </a:lnSpc>
-              <a:spcBef>
-                <a:spcPts val="1000"/>
-              </a:spcBef>
-              <a:spcAft>
-                <a:spcPts val="0"/>
-              </a:spcAft>
-              <a:buSzPts val="1800"/>
-              <a:buChar char="-"/>
-            </a:pPr>
-            <a:r>
-              <a:rPr lang="en-US"/>
-              <a:t>Microsoft Studio should be customer oriented and make movies from the most popular genres eg Drama Movies and a combination of top genres</a:t>
-            </a:r>
-            <a:endParaRPr/>
-          </a:p>
-          <a:p>
-            <a:pPr indent="-342900" lvl="0" marL="457200" rtl="0" algn="l">
-              <a:lnSpc>
-                <a:spcPct val="90000"/>
-              </a:lnSpc>
-              <a:spcBef>
-                <a:spcPts val="0"/>
-              </a:spcBef>
-              <a:spcAft>
-                <a:spcPts val="0"/>
-              </a:spcAft>
-              <a:buSzPts val="1800"/>
-              <a:buChar char="-"/>
-            </a:pPr>
-            <a:r>
-              <a:rPr lang="en-US"/>
-              <a:t>Microsoft should make longer movies in comparison to shorter movies</a:t>
-            </a:r>
-            <a:endParaRPr/>
+            <a:endParaRPr sz="2800">
+              <a:solidFill>
+                <a:schemeClr val="dk1"/>
+              </a:solidFill>
+              <a:latin typeface="Calibri"/>
+              <a:ea typeface="Calibri"/>
+              <a:cs typeface="Calibri"/>
+              <a:sym typeface="Calibri"/>
+            </a:endParaRPr>
           </a:p>
         </p:txBody>
       </p:sp>
@@ -12494,6 +14033,285 @@
 </file>
 
 <file path=ppt/theme/theme1.xml><?xml version="1.0" encoding="utf-8"?>
+<a:theme xmlns:a="http://schemas.openxmlformats.org/drawingml/2006/main" xmlns:r="http://schemas.openxmlformats.org/officeDocument/2006/relationships" name="Office Theme">
+  <a:themeElements>
+    <a:clrScheme name="Office">
+      <a:dk1>
+        <a:srgbClr val="000000"/>
+      </a:dk1>
+      <a:lt1>
+        <a:srgbClr val="FFFFFF"/>
+      </a:lt1>
+      <a:dk2>
+        <a:srgbClr val="44546A"/>
+      </a:dk2>
+      <a:lt2>
+        <a:srgbClr val="E7E6E6"/>
+      </a:lt2>
+      <a:accent1>
+        <a:srgbClr val="4472C4"/>
+      </a:accent1>
+      <a:accent2>
+        <a:srgbClr val="ED7D31"/>
+      </a:accent2>
+      <a:accent3>
+        <a:srgbClr val="A5A5A5"/>
+      </a:accent3>
+      <a:accent4>
+        <a:srgbClr val="FFC000"/>
+      </a:accent4>
+      <a:accent5>
+        <a:srgbClr val="5B9BD5"/>
+      </a:accent5>
+      <a:accent6>
+        <a:srgbClr val="70AD47"/>
+      </a:accent6>
+      <a:hlink>
+        <a:srgbClr val="0563C1"/>
+      </a:hlink>
+      <a:folHlink>
+        <a:srgbClr val="954F72"/>
+      </a:folHlink>
+    </a:clrScheme>
+    <a:fontScheme name="Office">
+      <a:majorFont>
+        <a:latin typeface="Arial"/>
+        <a:ea typeface=""/>
+        <a:cs typeface=""/>
+        <a:font script="Jpan" typeface="ＭＳ Ｐゴシック"/>
+        <a:font script="Hang" typeface="맑은 고딕"/>
+        <a:font script="Hans" typeface="宋体"/>
+        <a:font script="Hant" typeface="新細明體"/>
+        <a:font script="Arab" typeface="Times New Roman"/>
+        <a:font script="Hebr" typeface="Times New Roman"/>
+        <a:font script="Thai" typeface="Angsana New"/>
+        <a:font script="Ethi" typeface="Nyala"/>
+        <a:font script="Beng" typeface="Vrinda"/>
+        <a:font script="Gujr" typeface="Shruti"/>
+        <a:font script="Khmr" typeface="MoolBoran"/>
+        <a:font script="Knda" typeface="Tunga"/>
+        <a:font script="Guru" typeface="Raavi"/>
+        <a:font script="Cans" typeface="Euphemia"/>
+        <a:font script="Cher" typeface="Plantagenet Cherokee"/>
+        <a:font script="Yiii" typeface="Microsoft Yi Baiti"/>
+        <a:font script="Tibt" typeface="Microsoft Himalaya"/>
+        <a:font script="Thaa" typeface="MV Boli"/>
+        <a:font script="Deva" typeface="Mangal"/>
+        <a:font script="Telu" typeface="Gautami"/>
+        <a:font script="Taml" typeface="Latha"/>
+        <a:font script="Syrc" typeface="Estrangelo Edessa"/>
+        <a:font script="Orya" typeface="Kalinga"/>
+        <a:font script="Mlym" typeface="Kartika"/>
+        <a:font script="Laoo" typeface="DokChampa"/>
+        <a:font script="Sinh" typeface="Iskoola Pota"/>
+        <a:font script="Mong" typeface="Mongolian Baiti"/>
+        <a:font script="Viet" typeface="Times New Roman"/>
+        <a:font script="Uigh" typeface="Microsoft Uighur"/>
+        <a:font script="Geor" typeface="Sylfaen"/>
+      </a:majorFont>
+      <a:minorFont>
+        <a:latin typeface="Arial"/>
+        <a:ea typeface=""/>
+        <a:cs typeface=""/>
+        <a:font script="Jpan" typeface="ＭＳ Ｐゴシック"/>
+        <a:font script="Hang" typeface="맑은 고딕"/>
+        <a:font script="Hans" typeface="宋体"/>
+        <a:font script="Hant" typeface="新細明體"/>
+        <a:font script="Arab" typeface="Arial"/>
+        <a:font script="Hebr" typeface="Arial"/>
+        <a:font script="Thai" typeface="Cordia New"/>
+        <a:font script="Ethi" typeface="Nyala"/>
+        <a:font script="Beng" typeface="Vrinda"/>
+        <a:font script="Gujr" typeface="Shruti"/>
+        <a:font script="Khmr" typeface="DaunPenh"/>
+        <a:font script="Knda" typeface="Tunga"/>
+        <a:font script="Guru" typeface="Raavi"/>
+        <a:font script="Cans" typeface="Euphemia"/>
+        <a:font script="Cher" typeface="Plantagenet Cherokee"/>
+        <a:font script="Yiii" typeface="Microsoft Yi Baiti"/>
+        <a:font script="Tibt" typeface="Microsoft Himalaya"/>
+        <a:font script="Thaa" typeface="MV Boli"/>
+        <a:font script="Deva" typeface="Mangal"/>
+        <a:font script="Telu" typeface="Gautami"/>
+        <a:font script="Taml" typeface="Latha"/>
+        <a:font script="Syrc" typeface="Estrangelo Edessa"/>
+        <a:font script="Orya" typeface="Kalinga"/>
+        <a:font script="Mlym" typeface="Kartika"/>
+        <a:font script="Laoo" typeface="DokChampa"/>
+        <a:font script="Sinh" typeface="Iskoola Pota"/>
+        <a:font script="Mong" typeface="Mongolian Baiti"/>
+        <a:font script="Viet" typeface="Arial"/>
+        <a:font script="Uigh" typeface="Microsoft Uighur"/>
+        <a:font script="Geor" typeface="Sylfaen"/>
+      </a:minorFont>
+    </a:fontScheme>
+    <a:fmtScheme name="Office">
+      <a:fillStyleLst>
+        <a:solidFill>
+          <a:schemeClr val="phClr"/>
+        </a:solidFill>
+        <a:gradFill rotWithShape="1">
+          <a:gsLst>
+            <a:gs pos="0">
+              <a:schemeClr val="phClr">
+                <a:tint val="50000"/>
+                <a:satMod val="300000"/>
+              </a:schemeClr>
+            </a:gs>
+            <a:gs pos="35000">
+              <a:schemeClr val="phClr">
+                <a:tint val="37000"/>
+                <a:satMod val="300000"/>
+              </a:schemeClr>
+            </a:gs>
+            <a:gs pos="100000">
+              <a:schemeClr val="phClr">
+                <a:tint val="15000"/>
+                <a:satMod val="350000"/>
+              </a:schemeClr>
+            </a:gs>
+          </a:gsLst>
+          <a:lin ang="16200000" scaled="1"/>
+        </a:gradFill>
+        <a:gradFill rotWithShape="1">
+          <a:gsLst>
+            <a:gs pos="0">
+              <a:schemeClr val="phClr">
+                <a:tint val="100000"/>
+                <a:shade val="100000"/>
+                <a:satMod val="130000"/>
+              </a:schemeClr>
+            </a:gs>
+            <a:gs pos="100000">
+              <a:schemeClr val="phClr">
+                <a:tint val="50000"/>
+                <a:shade val="100000"/>
+                <a:satMod val="350000"/>
+              </a:schemeClr>
+            </a:gs>
+          </a:gsLst>
+          <a:lin ang="16200000" scaled="0"/>
+        </a:gradFill>
+      </a:fillStyleLst>
+      <a:lnStyleLst>
+        <a:ln w="9525" cap="flat" cmpd="sng" algn="ctr">
+          <a:solidFill>
+            <a:schemeClr val="phClr">
+              <a:shade val="95000"/>
+              <a:satMod val="105000"/>
+            </a:schemeClr>
+          </a:solidFill>
+          <a:prstDash val="solid"/>
+        </a:ln>
+        <a:ln w="25400" cap="flat" cmpd="sng" algn="ctr">
+          <a:solidFill>
+            <a:schemeClr val="phClr"/>
+          </a:solidFill>
+          <a:prstDash val="solid"/>
+        </a:ln>
+        <a:ln w="38100" cap="flat" cmpd="sng" algn="ctr">
+          <a:solidFill>
+            <a:schemeClr val="phClr"/>
+          </a:solidFill>
+          <a:prstDash val="solid"/>
+        </a:ln>
+      </a:lnStyleLst>
+      <a:effectStyleLst>
+        <a:effectStyle>
+          <a:effectLst>
+            <a:outerShdw blurRad="40000" dist="20000" dir="5400000" rotWithShape="0">
+              <a:srgbClr val="000000">
+                <a:alpha val="38000"/>
+              </a:srgbClr>
+            </a:outerShdw>
+          </a:effectLst>
+        </a:effectStyle>
+        <a:effectStyle>
+          <a:effectLst>
+            <a:outerShdw blurRad="40000" dist="23000" dir="5400000" rotWithShape="0">
+              <a:srgbClr val="000000">
+                <a:alpha val="35000"/>
+              </a:srgbClr>
+            </a:outerShdw>
+          </a:effectLst>
+        </a:effectStyle>
+        <a:effectStyle>
+          <a:effectLst>
+            <a:outerShdw blurRad="40000" dist="23000" dir="5400000" rotWithShape="0">
+              <a:srgbClr val="000000">
+                <a:alpha val="35000"/>
+              </a:srgbClr>
+            </a:outerShdw>
+          </a:effectLst>
+          <a:scene3d>
+            <a:camera prst="orthographicFront">
+              <a:rot lat="0" lon="0" rev="0"/>
+            </a:camera>
+            <a:lightRig rig="threePt" dir="t">
+              <a:rot lat="0" lon="0" rev="1200000"/>
+            </a:lightRig>
+          </a:scene3d>
+          <a:sp3d>
+            <a:bevelT w="63500" h="25400"/>
+          </a:sp3d>
+        </a:effectStyle>
+      </a:effectStyleLst>
+      <a:bgFillStyleLst>
+        <a:solidFill>
+          <a:schemeClr val="phClr"/>
+        </a:solidFill>
+        <a:gradFill rotWithShape="1">
+          <a:gsLst>
+            <a:gs pos="0">
+              <a:schemeClr val="phClr">
+                <a:tint val="40000"/>
+                <a:satMod val="350000"/>
+              </a:schemeClr>
+            </a:gs>
+            <a:gs pos="40000">
+              <a:schemeClr val="phClr">
+                <a:tint val="45000"/>
+                <a:shade val="99000"/>
+                <a:satMod val="350000"/>
+              </a:schemeClr>
+            </a:gs>
+            <a:gs pos="100000">
+              <a:schemeClr val="phClr">
+                <a:shade val="20000"/>
+                <a:satMod val="255000"/>
+              </a:schemeClr>
+            </a:gs>
+          </a:gsLst>
+          <a:path path="circle">
+            <a:fillToRect l="50000" t="-80000" r="50000" b="180000"/>
+          </a:path>
+        </a:gradFill>
+        <a:gradFill rotWithShape="1">
+          <a:gsLst>
+            <a:gs pos="0">
+              <a:schemeClr val="phClr">
+                <a:tint val="80000"/>
+                <a:satMod val="300000"/>
+              </a:schemeClr>
+            </a:gs>
+            <a:gs pos="100000">
+              <a:schemeClr val="phClr">
+                <a:shade val="30000"/>
+                <a:satMod val="200000"/>
+              </a:schemeClr>
+            </a:gs>
+          </a:gsLst>
+          <a:path path="circle">
+            <a:fillToRect l="50000" t="50000" r="50000" b="50000"/>
+          </a:path>
+        </a:gradFill>
+      </a:bgFillStyleLst>
+    </a:fmtScheme>
+  </a:themeElements>
+</a:theme>
+</file>
+
+<file path=ppt/theme/theme2.xml><?xml version="1.0" encoding="utf-8"?>
 <a:theme xmlns:a="http://schemas.openxmlformats.org/drawingml/2006/main" xmlns:r="http://schemas.openxmlformats.org/officeDocument/2006/relationships">
   <a:themeElements>
     <a:clrScheme name="Default">
@@ -12770,283 +14588,4 @@
     </a:fmtScheme>
   </a:themeElements>
 </a:theme>
-</file>
-
-<file path=ppt/theme/theme2.xml><?xml version="1.0" encoding="utf-8"?>
-<a:theme xmlns:a="http://schemas.openxmlformats.org/drawingml/2006/main" xmlns:r="http://schemas.openxmlformats.org/officeDocument/2006/relationships" name="Office Theme">
-  <a:themeElements>
-    <a:clrScheme name="Office">
-      <a:dk1>
-        <a:srgbClr val="000000"/>
-      </a:dk1>
-      <a:lt1>
-        <a:srgbClr val="FFFFFF"/>
-      </a:lt1>
-      <a:dk2>
-        <a:srgbClr val="44546A"/>
-      </a:dk2>
-      <a:lt2>
-        <a:srgbClr val="E7E6E6"/>
-      </a:lt2>
-      <a:accent1>
-        <a:srgbClr val="4472C4"/>
-      </a:accent1>
-      <a:accent2>
-        <a:srgbClr val="ED7D31"/>
-      </a:accent2>
-      <a:accent3>
-        <a:srgbClr val="A5A5A5"/>
-      </a:accent3>
-      <a:accent4>
-        <a:srgbClr val="FFC000"/>
-      </a:accent4>
-      <a:accent5>
-        <a:srgbClr val="5B9BD5"/>
-      </a:accent5>
-      <a:accent6>
-        <a:srgbClr val="70AD47"/>
-      </a:accent6>
-      <a:hlink>
-        <a:srgbClr val="0563C1"/>
-      </a:hlink>
-      <a:folHlink>
-        <a:srgbClr val="954F72"/>
-      </a:folHlink>
-    </a:clrScheme>
-    <a:fontScheme name="Office">
-      <a:majorFont>
-        <a:latin typeface="Arial"/>
-        <a:ea typeface=""/>
-        <a:cs typeface=""/>
-        <a:font script="Jpan" typeface="ＭＳ Ｐゴシック"/>
-        <a:font script="Hang" typeface="맑은 고딕"/>
-        <a:font script="Hans" typeface="宋体"/>
-        <a:font script="Hant" typeface="新細明體"/>
-        <a:font script="Arab" typeface="Times New Roman"/>
-        <a:font script="Hebr" typeface="Times New Roman"/>
-        <a:font script="Thai" typeface="Angsana New"/>
-        <a:font script="Ethi" typeface="Nyala"/>
-        <a:font script="Beng" typeface="Vrinda"/>
-        <a:font script="Gujr" typeface="Shruti"/>
-        <a:font script="Khmr" typeface="MoolBoran"/>
-        <a:font script="Knda" typeface="Tunga"/>
-        <a:font script="Guru" typeface="Raavi"/>
-        <a:font script="Cans" typeface="Euphemia"/>
-        <a:font script="Cher" typeface="Plantagenet Cherokee"/>
-        <a:font script="Yiii" typeface="Microsoft Yi Baiti"/>
-        <a:font script="Tibt" typeface="Microsoft Himalaya"/>
-        <a:font script="Thaa" typeface="MV Boli"/>
-        <a:font script="Deva" typeface="Mangal"/>
-        <a:font script="Telu" typeface="Gautami"/>
-        <a:font script="Taml" typeface="Latha"/>
-        <a:font script="Syrc" typeface="Estrangelo Edessa"/>
-        <a:font script="Orya" typeface="Kalinga"/>
-        <a:font script="Mlym" typeface="Kartika"/>
-        <a:font script="Laoo" typeface="DokChampa"/>
-        <a:font script="Sinh" typeface="Iskoola Pota"/>
-        <a:font script="Mong" typeface="Mongolian Baiti"/>
-        <a:font script="Viet" typeface="Times New Roman"/>
-        <a:font script="Uigh" typeface="Microsoft Uighur"/>
-        <a:font script="Geor" typeface="Sylfaen"/>
-      </a:majorFont>
-      <a:minorFont>
-        <a:latin typeface="Arial"/>
-        <a:ea typeface=""/>
-        <a:cs typeface=""/>
-        <a:font script="Jpan" typeface="ＭＳ Ｐゴシック"/>
-        <a:font script="Hang" typeface="맑은 고딕"/>
-        <a:font script="Hans" typeface="宋体"/>
-        <a:font script="Hant" typeface="新細明體"/>
-        <a:font script="Arab" typeface="Arial"/>
-        <a:font script="Hebr" typeface="Arial"/>
-        <a:font script="Thai" typeface="Cordia New"/>
-        <a:font script="Ethi" typeface="Nyala"/>
-        <a:font script="Beng" typeface="Vrinda"/>
-        <a:font script="Gujr" typeface="Shruti"/>
-        <a:font script="Khmr" typeface="DaunPenh"/>
-        <a:font script="Knda" typeface="Tunga"/>
-        <a:font script="Guru" typeface="Raavi"/>
-        <a:font script="Cans" typeface="Euphemia"/>
-        <a:font script="Cher" typeface="Plantagenet Cherokee"/>
-        <a:font script="Yiii" typeface="Microsoft Yi Baiti"/>
-        <a:font script="Tibt" typeface="Microsoft Himalaya"/>
-        <a:font script="Thaa" typeface="MV Boli"/>
-        <a:font script="Deva" typeface="Mangal"/>
-        <a:font script="Telu" typeface="Gautami"/>
-        <a:font script="Taml" typeface="Latha"/>
-        <a:font script="Syrc" typeface="Estrangelo Edessa"/>
-        <a:font script="Orya" typeface="Kalinga"/>
-        <a:font script="Mlym" typeface="Kartika"/>
-        <a:font script="Laoo" typeface="DokChampa"/>
-        <a:font script="Sinh" typeface="Iskoola Pota"/>
-        <a:font script="Mong" typeface="Mongolian Baiti"/>
-        <a:font script="Viet" typeface="Arial"/>
-        <a:font script="Uigh" typeface="Microsoft Uighur"/>
-        <a:font script="Geor" typeface="Sylfaen"/>
-      </a:minorFont>
-    </a:fontScheme>
-    <a:fmtScheme name="Office">
-      <a:fillStyleLst>
-        <a:solidFill>
-          <a:schemeClr val="phClr"/>
-        </a:solidFill>
-        <a:gradFill rotWithShape="1">
-          <a:gsLst>
-            <a:gs pos="0">
-              <a:schemeClr val="phClr">
-                <a:tint val="50000"/>
-                <a:satMod val="300000"/>
-              </a:schemeClr>
-            </a:gs>
-            <a:gs pos="35000">
-              <a:schemeClr val="phClr">
-                <a:tint val="37000"/>
-                <a:satMod val="300000"/>
-              </a:schemeClr>
-            </a:gs>
-            <a:gs pos="100000">
-              <a:schemeClr val="phClr">
-                <a:tint val="15000"/>
-                <a:satMod val="350000"/>
-              </a:schemeClr>
-            </a:gs>
-          </a:gsLst>
-          <a:lin ang="16200000" scaled="1"/>
-        </a:gradFill>
-        <a:gradFill rotWithShape="1">
-          <a:gsLst>
-            <a:gs pos="0">
-              <a:schemeClr val="phClr">
-                <a:tint val="100000"/>
-                <a:shade val="100000"/>
-                <a:satMod val="130000"/>
-              </a:schemeClr>
-            </a:gs>
-            <a:gs pos="100000">
-              <a:schemeClr val="phClr">
-                <a:tint val="50000"/>
-                <a:shade val="100000"/>
-                <a:satMod val="350000"/>
-              </a:schemeClr>
-            </a:gs>
-          </a:gsLst>
-          <a:lin ang="16200000" scaled="0"/>
-        </a:gradFill>
-      </a:fillStyleLst>
-      <a:lnStyleLst>
-        <a:ln w="9525" cap="flat" cmpd="sng" algn="ctr">
-          <a:solidFill>
-            <a:schemeClr val="phClr">
-              <a:shade val="95000"/>
-              <a:satMod val="105000"/>
-            </a:schemeClr>
-          </a:solidFill>
-          <a:prstDash val="solid"/>
-        </a:ln>
-        <a:ln w="25400" cap="flat" cmpd="sng" algn="ctr">
-          <a:solidFill>
-            <a:schemeClr val="phClr"/>
-          </a:solidFill>
-          <a:prstDash val="solid"/>
-        </a:ln>
-        <a:ln w="38100" cap="flat" cmpd="sng" algn="ctr">
-          <a:solidFill>
-            <a:schemeClr val="phClr"/>
-          </a:solidFill>
-          <a:prstDash val="solid"/>
-        </a:ln>
-      </a:lnStyleLst>
-      <a:effectStyleLst>
-        <a:effectStyle>
-          <a:effectLst>
-            <a:outerShdw blurRad="40000" dist="20000" dir="5400000" rotWithShape="0">
-              <a:srgbClr val="000000">
-                <a:alpha val="38000"/>
-              </a:srgbClr>
-            </a:outerShdw>
-          </a:effectLst>
-        </a:effectStyle>
-        <a:effectStyle>
-          <a:effectLst>
-            <a:outerShdw blurRad="40000" dist="23000" dir="5400000" rotWithShape="0">
-              <a:srgbClr val="000000">
-                <a:alpha val="35000"/>
-              </a:srgbClr>
-            </a:outerShdw>
-          </a:effectLst>
-        </a:effectStyle>
-        <a:effectStyle>
-          <a:effectLst>
-            <a:outerShdw blurRad="40000" dist="23000" dir="5400000" rotWithShape="0">
-              <a:srgbClr val="000000">
-                <a:alpha val="35000"/>
-              </a:srgbClr>
-            </a:outerShdw>
-          </a:effectLst>
-          <a:scene3d>
-            <a:camera prst="orthographicFront">
-              <a:rot lat="0" lon="0" rev="0"/>
-            </a:camera>
-            <a:lightRig rig="threePt" dir="t">
-              <a:rot lat="0" lon="0" rev="1200000"/>
-            </a:lightRig>
-          </a:scene3d>
-          <a:sp3d>
-            <a:bevelT w="63500" h="25400"/>
-          </a:sp3d>
-        </a:effectStyle>
-      </a:effectStyleLst>
-      <a:bgFillStyleLst>
-        <a:solidFill>
-          <a:schemeClr val="phClr"/>
-        </a:solidFill>
-        <a:gradFill rotWithShape="1">
-          <a:gsLst>
-            <a:gs pos="0">
-              <a:schemeClr val="phClr">
-                <a:tint val="40000"/>
-                <a:satMod val="350000"/>
-              </a:schemeClr>
-            </a:gs>
-            <a:gs pos="40000">
-              <a:schemeClr val="phClr">
-                <a:tint val="45000"/>
-                <a:shade val="99000"/>
-                <a:satMod val="350000"/>
-              </a:schemeClr>
-            </a:gs>
-            <a:gs pos="100000">
-              <a:schemeClr val="phClr">
-                <a:shade val="20000"/>
-                <a:satMod val="255000"/>
-              </a:schemeClr>
-            </a:gs>
-          </a:gsLst>
-          <a:path path="circle">
-            <a:fillToRect l="50000" t="-80000" r="50000" b="180000"/>
-          </a:path>
-        </a:gradFill>
-        <a:gradFill rotWithShape="1">
-          <a:gsLst>
-            <a:gs pos="0">
-              <a:schemeClr val="phClr">
-                <a:tint val="80000"/>
-                <a:satMod val="300000"/>
-              </a:schemeClr>
-            </a:gs>
-            <a:gs pos="100000">
-              <a:schemeClr val="phClr">
-                <a:shade val="30000"/>
-                <a:satMod val="200000"/>
-              </a:schemeClr>
-            </a:gs>
-          </a:gsLst>
-          <a:path path="circle">
-            <a:fillToRect l="50000" t="50000" r="50000" b="50000"/>
-          </a:path>
-        </a:gradFill>
-      </a:bgFillStyleLst>
-    </a:fmtScheme>
-  </a:themeElements>
-</a:theme>
 </file>